--- a/docs/diagrams/ModelComponentClassBetterOopDiagram.pptx
+++ b/docs/diagrams/ModelComponentClassBetterOopDiagram.pptx
@@ -1,14 +1,14 @@
 
 <file path=ppt/presentation.xml><?xml version="1.0" encoding="utf-8"?>
-<p:presentation xmlns:a="http://schemas.openxmlformats.org/drawingml/2006/main" xmlns:r="http://schemas.openxmlformats.org/officeDocument/2006/relationships" xmlns:p="http://schemas.openxmlformats.org/presentationml/2006/main" saveSubsetFonts="1">
+<p:presentation xmlns:a="http://schemas.openxmlformats.org/drawingml/2006/main" xmlns:r="http://schemas.openxmlformats.org/officeDocument/2006/relationships" xmlns:p="http://schemas.openxmlformats.org/presentationml/2006/main">
   <p:sldMasterIdLst>
     <p:sldMasterId id="2147483648" r:id="rId1"/>
   </p:sldMasterIdLst>
   <p:notesMasterIdLst>
-    <p:notesMasterId r:id="rId3"/>
+    <p:notesMasterId r:id="rId4"/>
   </p:notesMasterIdLst>
   <p:sldIdLst>
-    <p:sldId id="263" r:id="rId2"/>
+    <p:sldId id="263" r:id="rId3"/>
   </p:sldIdLst>
   <p:sldSz cx="9144000" cy="6858000" type="screen4x3"/>
   <p:notesSz cx="6858000" cy="9144000"/>
@@ -107,22 +107,6 @@
       </a:defRPr>
     </a:lvl9pPr>
   </p:defaultTextStyle>
-  <p:extLst>
-    <p:ext uri="{EFAFB233-063F-42B5-8137-9DF3F51BA10A}">
-      <p15:sldGuideLst xmlns:p15="http://schemas.microsoft.com/office/powerpoint/2012/main">
-        <p15:guide id="1" orient="horz" pos="1488">
-          <p15:clr>
-            <a:srgbClr val="A4A3A4"/>
-          </p15:clr>
-        </p15:guide>
-        <p15:guide id="2" pos="2880">
-          <p15:clr>
-            <a:srgbClr val="A4A3A4"/>
-          </p15:clr>
-        </p15:guide>
-      </p15:sldGuideLst>
-    </p:ext>
-  </p:extLst>
 </p:presentation>
 </file>
 
@@ -208,7 +192,6 @@
           <a:p>
             <a:fld id="{F5CC4B3F-88C1-4FFA-B1B6-F41C21DC6924}" type="datetimeFigureOut">
               <a:rPr lang="en-US" smtClean="0"/>
-              <a:t>6/27/2018</a:t>
             </a:fld>
             <a:endParaRPr lang="en-US"/>
           </a:p>
@@ -275,6 +258,7 @@
               <a:rPr lang="en-US"/>
               <a:t>Click to edit Master text styles</a:t>
             </a:r>
+            <a:endParaRPr lang="en-US"/>
           </a:p>
           <a:p>
             <a:pPr lvl="1"/>
@@ -282,6 +266,7 @@
               <a:rPr lang="en-US"/>
               <a:t>Second level</a:t>
             </a:r>
+            <a:endParaRPr lang="en-US"/>
           </a:p>
           <a:p>
             <a:pPr lvl="2"/>
@@ -289,6 +274,7 @@
               <a:rPr lang="en-US"/>
               <a:t>Third level</a:t>
             </a:r>
+            <a:endParaRPr lang="en-US"/>
           </a:p>
           <a:p>
             <a:pPr lvl="3"/>
@@ -296,6 +282,7 @@
               <a:rPr lang="en-US"/>
               <a:t>Fourth level</a:t>
             </a:r>
+            <a:endParaRPr lang="en-US"/>
           </a:p>
           <a:p>
             <a:pPr lvl="4"/>
@@ -303,6 +290,7 @@
               <a:rPr lang="en-US"/>
               <a:t>Fifth level</a:t>
             </a:r>
+            <a:endParaRPr lang="en-US"/>
           </a:p>
         </p:txBody>
       </p:sp>
@@ -366,18 +354,12 @@
           <a:p>
             <a:fld id="{5A7AB025-77E3-4BD1-A2FD-B3183DBA47A3}" type="slidenum">
               <a:rPr lang="en-US" smtClean="0"/>
-              <a:t>‹#›</a:t>
             </a:fld>
             <a:endParaRPr lang="en-US"/>
           </a:p>
         </p:txBody>
       </p:sp>
     </p:spTree>
-    <p:extLst>
-      <p:ext uri="{BB962C8B-B14F-4D97-AF65-F5344CB8AC3E}">
-        <p14:creationId xmlns:p14="http://schemas.microsoft.com/office/powerpoint/2010/main" val="2023976206"/>
-      </p:ext>
-    </p:extLst>
   </p:cSld>
   <p:clrMap bg1="lt1" tx1="dk1" bg2="lt2" tx2="dk2" accent1="accent1" accent2="accent2" accent3="accent3" accent4="accent4" accent5="accent5" accent6="accent6" hlink="hlink" folHlink="folHlink"/>
   <p:notesStyle>
@@ -516,6 +498,7 @@
               <a:rPr lang="en-US"/>
               <a:t>Click to edit Master title style</a:t>
             </a:r>
+            <a:endParaRPr lang="en-US"/>
           </a:p>
         </p:txBody>
       </p:sp>
@@ -634,6 +617,7 @@
               <a:rPr lang="en-US"/>
               <a:t>Click to edit Master subtitle style</a:t>
             </a:r>
+            <a:endParaRPr lang="en-US"/>
           </a:p>
         </p:txBody>
       </p:sp>
@@ -654,7 +638,6 @@
           <a:p>
             <a:fld id="{78C97017-6FC3-485B-9764-EAC9E56C1D49}" type="datetimeFigureOut">
               <a:rPr lang="en-US" smtClean="0"/>
-              <a:t>6/27/2018</a:t>
             </a:fld>
             <a:endParaRPr lang="en-US"/>
           </a:p>
@@ -696,18 +679,12 @@
           <a:p>
             <a:fld id="{FB34683C-161B-4520-BF45-B179E228CF2A}" type="slidenum">
               <a:rPr lang="en-US" smtClean="0"/>
-              <a:t>‹#›</a:t>
             </a:fld>
             <a:endParaRPr lang="en-US"/>
           </a:p>
         </p:txBody>
       </p:sp>
     </p:spTree>
-    <p:extLst>
-      <p:ext uri="{BB962C8B-B14F-4D97-AF65-F5344CB8AC3E}">
-        <p14:creationId xmlns:p14="http://schemas.microsoft.com/office/powerpoint/2010/main" val="3246593157"/>
-      </p:ext>
-    </p:extLst>
   </p:cSld>
   <p:clrMapOvr>
     <a:masterClrMapping/>
@@ -751,6 +728,7 @@
               <a:rPr lang="en-US"/>
               <a:t>Click to edit Master title style</a:t>
             </a:r>
+            <a:endParaRPr lang="en-US"/>
           </a:p>
         </p:txBody>
       </p:sp>
@@ -774,6 +752,7 @@
               <a:rPr lang="en-US"/>
               <a:t>Click to edit Master text styles</a:t>
             </a:r>
+            <a:endParaRPr lang="en-US"/>
           </a:p>
           <a:p>
             <a:pPr lvl="1"/>
@@ -781,6 +760,7 @@
               <a:rPr lang="en-US"/>
               <a:t>Second level</a:t>
             </a:r>
+            <a:endParaRPr lang="en-US"/>
           </a:p>
           <a:p>
             <a:pPr lvl="2"/>
@@ -788,6 +768,7 @@
               <a:rPr lang="en-US"/>
               <a:t>Third level</a:t>
             </a:r>
+            <a:endParaRPr lang="en-US"/>
           </a:p>
           <a:p>
             <a:pPr lvl="3"/>
@@ -795,6 +776,7 @@
               <a:rPr lang="en-US"/>
               <a:t>Fourth level</a:t>
             </a:r>
+            <a:endParaRPr lang="en-US"/>
           </a:p>
           <a:p>
             <a:pPr lvl="4"/>
@@ -802,6 +784,7 @@
               <a:rPr lang="en-US"/>
               <a:t>Fifth level</a:t>
             </a:r>
+            <a:endParaRPr lang="en-US"/>
           </a:p>
         </p:txBody>
       </p:sp>
@@ -822,7 +805,6 @@
           <a:p>
             <a:fld id="{78C97017-6FC3-485B-9764-EAC9E56C1D49}" type="datetimeFigureOut">
               <a:rPr lang="en-US" smtClean="0"/>
-              <a:t>6/27/2018</a:t>
             </a:fld>
             <a:endParaRPr lang="en-US"/>
           </a:p>
@@ -864,18 +846,12 @@
           <a:p>
             <a:fld id="{FB34683C-161B-4520-BF45-B179E228CF2A}" type="slidenum">
               <a:rPr lang="en-US" smtClean="0"/>
-              <a:t>‹#›</a:t>
             </a:fld>
             <a:endParaRPr lang="en-US"/>
           </a:p>
         </p:txBody>
       </p:sp>
     </p:spTree>
-    <p:extLst>
-      <p:ext uri="{BB962C8B-B14F-4D97-AF65-F5344CB8AC3E}">
-        <p14:creationId xmlns:p14="http://schemas.microsoft.com/office/powerpoint/2010/main" val="2707025021"/>
-      </p:ext>
-    </p:extLst>
   </p:cSld>
   <p:clrMapOvr>
     <a:masterClrMapping/>
@@ -924,6 +900,7 @@
               <a:rPr lang="en-US"/>
               <a:t>Click to edit Master title style</a:t>
             </a:r>
+            <a:endParaRPr lang="en-US"/>
           </a:p>
         </p:txBody>
       </p:sp>
@@ -952,6 +929,7 @@
               <a:rPr lang="en-US"/>
               <a:t>Click to edit Master text styles</a:t>
             </a:r>
+            <a:endParaRPr lang="en-US"/>
           </a:p>
           <a:p>
             <a:pPr lvl="1"/>
@@ -959,6 +937,7 @@
               <a:rPr lang="en-US"/>
               <a:t>Second level</a:t>
             </a:r>
+            <a:endParaRPr lang="en-US"/>
           </a:p>
           <a:p>
             <a:pPr lvl="2"/>
@@ -966,6 +945,7 @@
               <a:rPr lang="en-US"/>
               <a:t>Third level</a:t>
             </a:r>
+            <a:endParaRPr lang="en-US"/>
           </a:p>
           <a:p>
             <a:pPr lvl="3"/>
@@ -973,6 +953,7 @@
               <a:rPr lang="en-US"/>
               <a:t>Fourth level</a:t>
             </a:r>
+            <a:endParaRPr lang="en-US"/>
           </a:p>
           <a:p>
             <a:pPr lvl="4"/>
@@ -980,6 +961,7 @@
               <a:rPr lang="en-US"/>
               <a:t>Fifth level</a:t>
             </a:r>
+            <a:endParaRPr lang="en-US"/>
           </a:p>
         </p:txBody>
       </p:sp>
@@ -1000,7 +982,6 @@
           <a:p>
             <a:fld id="{78C97017-6FC3-485B-9764-EAC9E56C1D49}" type="datetimeFigureOut">
               <a:rPr lang="en-US" smtClean="0"/>
-              <a:t>6/27/2018</a:t>
             </a:fld>
             <a:endParaRPr lang="en-US"/>
           </a:p>
@@ -1042,18 +1023,12 @@
           <a:p>
             <a:fld id="{FB34683C-161B-4520-BF45-B179E228CF2A}" type="slidenum">
               <a:rPr lang="en-US" smtClean="0"/>
-              <a:t>‹#›</a:t>
             </a:fld>
             <a:endParaRPr lang="en-US"/>
           </a:p>
         </p:txBody>
       </p:sp>
     </p:spTree>
-    <p:extLst>
-      <p:ext uri="{BB962C8B-B14F-4D97-AF65-F5344CB8AC3E}">
-        <p14:creationId xmlns:p14="http://schemas.microsoft.com/office/powerpoint/2010/main" val="568378986"/>
-      </p:ext>
-    </p:extLst>
   </p:cSld>
   <p:clrMapOvr>
     <a:masterClrMapping/>
@@ -1097,6 +1072,7 @@
               <a:rPr lang="en-US"/>
               <a:t>Click to edit Master title style</a:t>
             </a:r>
+            <a:endParaRPr lang="en-US"/>
           </a:p>
         </p:txBody>
       </p:sp>
@@ -1120,6 +1096,7 @@
               <a:rPr lang="en-US"/>
               <a:t>Click to edit Master text styles</a:t>
             </a:r>
+            <a:endParaRPr lang="en-US"/>
           </a:p>
           <a:p>
             <a:pPr lvl="1"/>
@@ -1127,6 +1104,7 @@
               <a:rPr lang="en-US"/>
               <a:t>Second level</a:t>
             </a:r>
+            <a:endParaRPr lang="en-US"/>
           </a:p>
           <a:p>
             <a:pPr lvl="2"/>
@@ -1134,6 +1112,7 @@
               <a:rPr lang="en-US"/>
               <a:t>Third level</a:t>
             </a:r>
+            <a:endParaRPr lang="en-US"/>
           </a:p>
           <a:p>
             <a:pPr lvl="3"/>
@@ -1141,6 +1120,7 @@
               <a:rPr lang="en-US"/>
               <a:t>Fourth level</a:t>
             </a:r>
+            <a:endParaRPr lang="en-US"/>
           </a:p>
           <a:p>
             <a:pPr lvl="4"/>
@@ -1148,6 +1128,7 @@
               <a:rPr lang="en-US"/>
               <a:t>Fifth level</a:t>
             </a:r>
+            <a:endParaRPr lang="en-US"/>
           </a:p>
         </p:txBody>
       </p:sp>
@@ -1168,7 +1149,6 @@
           <a:p>
             <a:fld id="{78C97017-6FC3-485B-9764-EAC9E56C1D49}" type="datetimeFigureOut">
               <a:rPr lang="en-US" smtClean="0"/>
-              <a:t>6/27/2018</a:t>
             </a:fld>
             <a:endParaRPr lang="en-US"/>
           </a:p>
@@ -1210,18 +1190,12 @@
           <a:p>
             <a:fld id="{FB34683C-161B-4520-BF45-B179E228CF2A}" type="slidenum">
               <a:rPr lang="en-US" smtClean="0"/>
-              <a:t>‹#›</a:t>
             </a:fld>
             <a:endParaRPr lang="en-US"/>
           </a:p>
         </p:txBody>
       </p:sp>
     </p:spTree>
-    <p:extLst>
-      <p:ext uri="{BB962C8B-B14F-4D97-AF65-F5344CB8AC3E}">
-        <p14:creationId xmlns:p14="http://schemas.microsoft.com/office/powerpoint/2010/main" val="266658052"/>
-      </p:ext>
-    </p:extLst>
   </p:cSld>
   <p:clrMapOvr>
     <a:masterClrMapping/>
@@ -1274,6 +1248,7 @@
               <a:rPr lang="en-US"/>
               <a:t>Click to edit Master title style</a:t>
             </a:r>
+            <a:endParaRPr lang="en-US"/>
           </a:p>
         </p:txBody>
       </p:sp>
@@ -1393,6 +1368,7 @@
               <a:rPr lang="en-US"/>
               <a:t>Click to edit Master text styles</a:t>
             </a:r>
+            <a:endParaRPr lang="en-US"/>
           </a:p>
         </p:txBody>
       </p:sp>
@@ -1413,7 +1389,6 @@
           <a:p>
             <a:fld id="{78C97017-6FC3-485B-9764-EAC9E56C1D49}" type="datetimeFigureOut">
               <a:rPr lang="en-US" smtClean="0"/>
-              <a:t>6/27/2018</a:t>
             </a:fld>
             <a:endParaRPr lang="en-US"/>
           </a:p>
@@ -1455,18 +1430,12 @@
           <a:p>
             <a:fld id="{FB34683C-161B-4520-BF45-B179E228CF2A}" type="slidenum">
               <a:rPr lang="en-US" smtClean="0"/>
-              <a:t>‹#›</a:t>
             </a:fld>
             <a:endParaRPr lang="en-US"/>
           </a:p>
         </p:txBody>
       </p:sp>
     </p:spTree>
-    <p:extLst>
-      <p:ext uri="{BB962C8B-B14F-4D97-AF65-F5344CB8AC3E}">
-        <p14:creationId xmlns:p14="http://schemas.microsoft.com/office/powerpoint/2010/main" val="474686344"/>
-      </p:ext>
-    </p:extLst>
   </p:cSld>
   <p:clrMapOvr>
     <a:masterClrMapping/>
@@ -1510,6 +1479,7 @@
               <a:rPr lang="en-US"/>
               <a:t>Click to edit Master title style</a:t>
             </a:r>
+            <a:endParaRPr lang="en-US"/>
           </a:p>
         </p:txBody>
       </p:sp>
@@ -1566,6 +1536,7 @@
               <a:rPr lang="en-US"/>
               <a:t>Click to edit Master text styles</a:t>
             </a:r>
+            <a:endParaRPr lang="en-US"/>
           </a:p>
           <a:p>
             <a:pPr lvl="1"/>
@@ -1573,6 +1544,7 @@
               <a:rPr lang="en-US"/>
               <a:t>Second level</a:t>
             </a:r>
+            <a:endParaRPr lang="en-US"/>
           </a:p>
           <a:p>
             <a:pPr lvl="2"/>
@@ -1580,6 +1552,7 @@
               <a:rPr lang="en-US"/>
               <a:t>Third level</a:t>
             </a:r>
+            <a:endParaRPr lang="en-US"/>
           </a:p>
           <a:p>
             <a:pPr lvl="3"/>
@@ -1587,6 +1560,7 @@
               <a:rPr lang="en-US"/>
               <a:t>Fourth level</a:t>
             </a:r>
+            <a:endParaRPr lang="en-US"/>
           </a:p>
           <a:p>
             <a:pPr lvl="4"/>
@@ -1594,6 +1568,7 @@
               <a:rPr lang="en-US"/>
               <a:t>Fifth level</a:t>
             </a:r>
+            <a:endParaRPr lang="en-US"/>
           </a:p>
         </p:txBody>
       </p:sp>
@@ -1650,6 +1625,7 @@
               <a:rPr lang="en-US"/>
               <a:t>Click to edit Master text styles</a:t>
             </a:r>
+            <a:endParaRPr lang="en-US"/>
           </a:p>
           <a:p>
             <a:pPr lvl="1"/>
@@ -1657,6 +1633,7 @@
               <a:rPr lang="en-US"/>
               <a:t>Second level</a:t>
             </a:r>
+            <a:endParaRPr lang="en-US"/>
           </a:p>
           <a:p>
             <a:pPr lvl="2"/>
@@ -1664,6 +1641,7 @@
               <a:rPr lang="en-US"/>
               <a:t>Third level</a:t>
             </a:r>
+            <a:endParaRPr lang="en-US"/>
           </a:p>
           <a:p>
             <a:pPr lvl="3"/>
@@ -1671,6 +1649,7 @@
               <a:rPr lang="en-US"/>
               <a:t>Fourth level</a:t>
             </a:r>
+            <a:endParaRPr lang="en-US"/>
           </a:p>
           <a:p>
             <a:pPr lvl="4"/>
@@ -1678,6 +1657,7 @@
               <a:rPr lang="en-US"/>
               <a:t>Fifth level</a:t>
             </a:r>
+            <a:endParaRPr lang="en-US"/>
           </a:p>
         </p:txBody>
       </p:sp>
@@ -1698,7 +1678,6 @@
           <a:p>
             <a:fld id="{78C97017-6FC3-485B-9764-EAC9E56C1D49}" type="datetimeFigureOut">
               <a:rPr lang="en-US" smtClean="0"/>
-              <a:t>6/27/2018</a:t>
             </a:fld>
             <a:endParaRPr lang="en-US"/>
           </a:p>
@@ -1740,18 +1719,12 @@
           <a:p>
             <a:fld id="{FB34683C-161B-4520-BF45-B179E228CF2A}" type="slidenum">
               <a:rPr lang="en-US" smtClean="0"/>
-              <a:t>‹#›</a:t>
             </a:fld>
             <a:endParaRPr lang="en-US"/>
           </a:p>
         </p:txBody>
       </p:sp>
     </p:spTree>
-    <p:extLst>
-      <p:ext uri="{BB962C8B-B14F-4D97-AF65-F5344CB8AC3E}">
-        <p14:creationId xmlns:p14="http://schemas.microsoft.com/office/powerpoint/2010/main" val="562293251"/>
-      </p:ext>
-    </p:extLst>
   </p:cSld>
   <p:clrMapOvr>
     <a:masterClrMapping/>
@@ -1799,6 +1772,7 @@
               <a:rPr lang="en-US"/>
               <a:t>Click to edit Master title style</a:t>
             </a:r>
+            <a:endParaRPr lang="en-US"/>
           </a:p>
         </p:txBody>
       </p:sp>
@@ -1864,6 +1838,7 @@
               <a:rPr lang="en-US"/>
               <a:t>Click to edit Master text styles</a:t>
             </a:r>
+            <a:endParaRPr lang="en-US"/>
           </a:p>
         </p:txBody>
       </p:sp>
@@ -1920,6 +1895,7 @@
               <a:rPr lang="en-US"/>
               <a:t>Click to edit Master text styles</a:t>
             </a:r>
+            <a:endParaRPr lang="en-US"/>
           </a:p>
           <a:p>
             <a:pPr lvl="1"/>
@@ -1927,6 +1903,7 @@
               <a:rPr lang="en-US"/>
               <a:t>Second level</a:t>
             </a:r>
+            <a:endParaRPr lang="en-US"/>
           </a:p>
           <a:p>
             <a:pPr lvl="2"/>
@@ -1934,6 +1911,7 @@
               <a:rPr lang="en-US"/>
               <a:t>Third level</a:t>
             </a:r>
+            <a:endParaRPr lang="en-US"/>
           </a:p>
           <a:p>
             <a:pPr lvl="3"/>
@@ -1941,6 +1919,7 @@
               <a:rPr lang="en-US"/>
               <a:t>Fourth level</a:t>
             </a:r>
+            <a:endParaRPr lang="en-US"/>
           </a:p>
           <a:p>
             <a:pPr lvl="4"/>
@@ -1948,6 +1927,7 @@
               <a:rPr lang="en-US"/>
               <a:t>Fifth level</a:t>
             </a:r>
+            <a:endParaRPr lang="en-US"/>
           </a:p>
         </p:txBody>
       </p:sp>
@@ -2013,6 +1993,7 @@
               <a:rPr lang="en-US"/>
               <a:t>Click to edit Master text styles</a:t>
             </a:r>
+            <a:endParaRPr lang="en-US"/>
           </a:p>
         </p:txBody>
       </p:sp>
@@ -2069,6 +2050,7 @@
               <a:rPr lang="en-US"/>
               <a:t>Click to edit Master text styles</a:t>
             </a:r>
+            <a:endParaRPr lang="en-US"/>
           </a:p>
           <a:p>
             <a:pPr lvl="1"/>
@@ -2076,6 +2058,7 @@
               <a:rPr lang="en-US"/>
               <a:t>Second level</a:t>
             </a:r>
+            <a:endParaRPr lang="en-US"/>
           </a:p>
           <a:p>
             <a:pPr lvl="2"/>
@@ -2083,6 +2066,7 @@
               <a:rPr lang="en-US"/>
               <a:t>Third level</a:t>
             </a:r>
+            <a:endParaRPr lang="en-US"/>
           </a:p>
           <a:p>
             <a:pPr lvl="3"/>
@@ -2090,6 +2074,7 @@
               <a:rPr lang="en-US"/>
               <a:t>Fourth level</a:t>
             </a:r>
+            <a:endParaRPr lang="en-US"/>
           </a:p>
           <a:p>
             <a:pPr lvl="4"/>
@@ -2097,6 +2082,7 @@
               <a:rPr lang="en-US"/>
               <a:t>Fifth level</a:t>
             </a:r>
+            <a:endParaRPr lang="en-US"/>
           </a:p>
         </p:txBody>
       </p:sp>
@@ -2117,7 +2103,6 @@
           <a:p>
             <a:fld id="{78C97017-6FC3-485B-9764-EAC9E56C1D49}" type="datetimeFigureOut">
               <a:rPr lang="en-US" smtClean="0"/>
-              <a:t>6/27/2018</a:t>
             </a:fld>
             <a:endParaRPr lang="en-US"/>
           </a:p>
@@ -2159,18 +2144,12 @@
           <a:p>
             <a:fld id="{FB34683C-161B-4520-BF45-B179E228CF2A}" type="slidenum">
               <a:rPr lang="en-US" smtClean="0"/>
-              <a:t>‹#›</a:t>
             </a:fld>
             <a:endParaRPr lang="en-US"/>
           </a:p>
         </p:txBody>
       </p:sp>
     </p:spTree>
-    <p:extLst>
-      <p:ext uri="{BB962C8B-B14F-4D97-AF65-F5344CB8AC3E}">
-        <p14:creationId xmlns:p14="http://schemas.microsoft.com/office/powerpoint/2010/main" val="1126424250"/>
-      </p:ext>
-    </p:extLst>
   </p:cSld>
   <p:clrMapOvr>
     <a:masterClrMapping/>
@@ -2214,6 +2193,7 @@
               <a:rPr lang="en-US"/>
               <a:t>Click to edit Master title style</a:t>
             </a:r>
+            <a:endParaRPr lang="en-US"/>
           </a:p>
         </p:txBody>
       </p:sp>
@@ -2234,7 +2214,6 @@
           <a:p>
             <a:fld id="{78C97017-6FC3-485B-9764-EAC9E56C1D49}" type="datetimeFigureOut">
               <a:rPr lang="en-US" smtClean="0"/>
-              <a:t>6/27/2018</a:t>
             </a:fld>
             <a:endParaRPr lang="en-US"/>
           </a:p>
@@ -2276,18 +2255,12 @@
           <a:p>
             <a:fld id="{FB34683C-161B-4520-BF45-B179E228CF2A}" type="slidenum">
               <a:rPr lang="en-US" smtClean="0"/>
-              <a:t>‹#›</a:t>
             </a:fld>
             <a:endParaRPr lang="en-US"/>
           </a:p>
         </p:txBody>
       </p:sp>
     </p:spTree>
-    <p:extLst>
-      <p:ext uri="{BB962C8B-B14F-4D97-AF65-F5344CB8AC3E}">
-        <p14:creationId xmlns:p14="http://schemas.microsoft.com/office/powerpoint/2010/main" val="4159724230"/>
-      </p:ext>
-    </p:extLst>
   </p:cSld>
   <p:clrMapOvr>
     <a:masterClrMapping/>
@@ -2329,7 +2302,6 @@
           <a:p>
             <a:fld id="{78C97017-6FC3-485B-9764-EAC9E56C1D49}" type="datetimeFigureOut">
               <a:rPr lang="en-US" smtClean="0"/>
-              <a:t>6/27/2018</a:t>
             </a:fld>
             <a:endParaRPr lang="en-US"/>
           </a:p>
@@ -2371,18 +2343,12 @@
           <a:p>
             <a:fld id="{FB34683C-161B-4520-BF45-B179E228CF2A}" type="slidenum">
               <a:rPr lang="en-US" smtClean="0"/>
-              <a:t>‹#›</a:t>
             </a:fld>
             <a:endParaRPr lang="en-US"/>
           </a:p>
         </p:txBody>
       </p:sp>
     </p:spTree>
-    <p:extLst>
-      <p:ext uri="{BB962C8B-B14F-4D97-AF65-F5344CB8AC3E}">
-        <p14:creationId xmlns:p14="http://schemas.microsoft.com/office/powerpoint/2010/main" val="1793928710"/>
-      </p:ext>
-    </p:extLst>
   </p:cSld>
   <p:clrMapOvr>
     <a:masterClrMapping/>
@@ -2435,6 +2401,7 @@
               <a:rPr lang="en-US"/>
               <a:t>Click to edit Master title style</a:t>
             </a:r>
+            <a:endParaRPr lang="en-US"/>
           </a:p>
         </p:txBody>
       </p:sp>
@@ -2491,6 +2458,7 @@
               <a:rPr lang="en-US"/>
               <a:t>Click to edit Master text styles</a:t>
             </a:r>
+            <a:endParaRPr lang="en-US"/>
           </a:p>
           <a:p>
             <a:pPr lvl="1"/>
@@ -2498,6 +2466,7 @@
               <a:rPr lang="en-US"/>
               <a:t>Second level</a:t>
             </a:r>
+            <a:endParaRPr lang="en-US"/>
           </a:p>
           <a:p>
             <a:pPr lvl="2"/>
@@ -2505,6 +2474,7 @@
               <a:rPr lang="en-US"/>
               <a:t>Third level</a:t>
             </a:r>
+            <a:endParaRPr lang="en-US"/>
           </a:p>
           <a:p>
             <a:pPr lvl="3"/>
@@ -2512,6 +2482,7 @@
               <a:rPr lang="en-US"/>
               <a:t>Fourth level</a:t>
             </a:r>
+            <a:endParaRPr lang="en-US"/>
           </a:p>
           <a:p>
             <a:pPr lvl="4"/>
@@ -2519,6 +2490,7 @@
               <a:rPr lang="en-US"/>
               <a:t>Fifth level</a:t>
             </a:r>
+            <a:endParaRPr lang="en-US"/>
           </a:p>
         </p:txBody>
       </p:sp>
@@ -2584,6 +2556,7 @@
               <a:rPr lang="en-US"/>
               <a:t>Click to edit Master text styles</a:t>
             </a:r>
+            <a:endParaRPr lang="en-US"/>
           </a:p>
         </p:txBody>
       </p:sp>
@@ -2604,7 +2577,6 @@
           <a:p>
             <a:fld id="{78C97017-6FC3-485B-9764-EAC9E56C1D49}" type="datetimeFigureOut">
               <a:rPr lang="en-US" smtClean="0"/>
-              <a:t>6/27/2018</a:t>
             </a:fld>
             <a:endParaRPr lang="en-US"/>
           </a:p>
@@ -2646,18 +2618,12 @@
           <a:p>
             <a:fld id="{FB34683C-161B-4520-BF45-B179E228CF2A}" type="slidenum">
               <a:rPr lang="en-US" smtClean="0"/>
-              <a:t>‹#›</a:t>
             </a:fld>
             <a:endParaRPr lang="en-US"/>
           </a:p>
         </p:txBody>
       </p:sp>
     </p:spTree>
-    <p:extLst>
-      <p:ext uri="{BB962C8B-B14F-4D97-AF65-F5344CB8AC3E}">
-        <p14:creationId xmlns:p14="http://schemas.microsoft.com/office/powerpoint/2010/main" val="2076802089"/>
-      </p:ext>
-    </p:extLst>
   </p:cSld>
   <p:clrMapOvr>
     <a:masterClrMapping/>
@@ -2710,6 +2676,7 @@
               <a:rPr lang="en-US"/>
               <a:t>Click to edit Master title style</a:t>
             </a:r>
+            <a:endParaRPr lang="en-US"/>
           </a:p>
         </p:txBody>
       </p:sp>
@@ -2836,6 +2803,7 @@
               <a:rPr lang="en-US"/>
               <a:t>Click to edit Master text styles</a:t>
             </a:r>
+            <a:endParaRPr lang="en-US"/>
           </a:p>
         </p:txBody>
       </p:sp>
@@ -2856,7 +2824,6 @@
           <a:p>
             <a:fld id="{78C97017-6FC3-485B-9764-EAC9E56C1D49}" type="datetimeFigureOut">
               <a:rPr lang="en-US" smtClean="0"/>
-              <a:t>6/27/2018</a:t>
             </a:fld>
             <a:endParaRPr lang="en-US"/>
           </a:p>
@@ -2898,18 +2865,12 @@
           <a:p>
             <a:fld id="{FB34683C-161B-4520-BF45-B179E228CF2A}" type="slidenum">
               <a:rPr lang="en-US" smtClean="0"/>
-              <a:t>‹#›</a:t>
             </a:fld>
             <a:endParaRPr lang="en-US"/>
           </a:p>
         </p:txBody>
       </p:sp>
     </p:spTree>
-    <p:extLst>
-      <p:ext uri="{BB962C8B-B14F-4D97-AF65-F5344CB8AC3E}">
-        <p14:creationId xmlns:p14="http://schemas.microsoft.com/office/powerpoint/2010/main" val="201835938"/>
-      </p:ext>
-    </p:extLst>
   </p:cSld>
   <p:clrMapOvr>
     <a:masterClrMapping/>
@@ -2968,6 +2929,7 @@
               <a:rPr lang="en-US"/>
               <a:t>Click to edit Master title style</a:t>
             </a:r>
+            <a:endParaRPr lang="en-US"/>
           </a:p>
         </p:txBody>
       </p:sp>
@@ -3001,6 +2963,7 @@
               <a:rPr lang="en-US"/>
               <a:t>Click to edit Master text styles</a:t>
             </a:r>
+            <a:endParaRPr lang="en-US"/>
           </a:p>
           <a:p>
             <a:pPr lvl="1"/>
@@ -3008,6 +2971,7 @@
               <a:rPr lang="en-US"/>
               <a:t>Second level</a:t>
             </a:r>
+            <a:endParaRPr lang="en-US"/>
           </a:p>
           <a:p>
             <a:pPr lvl="2"/>
@@ -3015,6 +2979,7 @@
               <a:rPr lang="en-US"/>
               <a:t>Third level</a:t>
             </a:r>
+            <a:endParaRPr lang="en-US"/>
           </a:p>
           <a:p>
             <a:pPr lvl="3"/>
@@ -3022,6 +2987,7 @@
               <a:rPr lang="en-US"/>
               <a:t>Fourth level</a:t>
             </a:r>
+            <a:endParaRPr lang="en-US"/>
           </a:p>
           <a:p>
             <a:pPr lvl="4"/>
@@ -3029,6 +2995,7 @@
               <a:rPr lang="en-US"/>
               <a:t>Fifth level</a:t>
             </a:r>
+            <a:endParaRPr lang="en-US"/>
           </a:p>
         </p:txBody>
       </p:sp>
@@ -3067,7 +3034,6 @@
           <a:p>
             <a:fld id="{78C97017-6FC3-485B-9764-EAC9E56C1D49}" type="datetimeFigureOut">
               <a:rPr lang="en-US" smtClean="0"/>
-              <a:t>6/27/2018</a:t>
             </a:fld>
             <a:endParaRPr lang="en-US"/>
           </a:p>
@@ -3145,18 +3111,12 @@
           <a:p>
             <a:fld id="{FB34683C-161B-4520-BF45-B179E228CF2A}" type="slidenum">
               <a:rPr lang="en-US" smtClean="0"/>
-              <a:t>‹#›</a:t>
             </a:fld>
             <a:endParaRPr lang="en-US"/>
           </a:p>
         </p:txBody>
       </p:sp>
     </p:spTree>
-    <p:extLst>
-      <p:ext uri="{BB962C8B-B14F-4D97-AF65-F5344CB8AC3E}">
-        <p14:creationId xmlns:p14="http://schemas.microsoft.com/office/powerpoint/2010/main" val="2341400630"/>
-      </p:ext>
-    </p:extLst>
   </p:cSld>
   <p:clrMap bg1="lt1" tx1="dk1" bg2="lt2" tx2="dk2" accent1="accent1" accent2="accent2" accent3="accent3" accent4="accent4" accent5="accent5" accent6="accent6" hlink="hlink" folHlink="folHlink"/>
   <p:sldLayoutIdLst>
@@ -3450,8 +3410,8 @@
         </p:nvSpPr>
         <p:spPr>
           <a:xfrm>
-            <a:off x="1119865" y="1676400"/>
-            <a:ext cx="7490735" cy="3059747"/>
+            <a:off x="133985" y="1710690"/>
+            <a:ext cx="8982710" cy="3435350"/>
           </a:xfrm>
           <a:prstGeom prst="roundRect">
             <a:avLst>
@@ -3511,7 +3471,7 @@
         </p:nvSpPr>
         <p:spPr>
           <a:xfrm>
-            <a:off x="2877180" y="3463240"/>
+            <a:off x="1891025" y="3496895"/>
             <a:ext cx="1093635" cy="346760"/>
           </a:xfrm>
           <a:prstGeom prst="rect">
@@ -3570,7 +3530,7 @@
         </p:nvSpPr>
         <p:spPr>
           <a:xfrm rot="16200000">
-            <a:off x="1661548" y="3097750"/>
+            <a:off x="675393" y="3131405"/>
             <a:ext cx="1093635" cy="346760"/>
           </a:xfrm>
           <a:prstGeom prst="rect">
@@ -3624,14 +3584,12 @@
       <p:cxnSp>
         <p:nvCxnSpPr>
           <p:cNvPr id="107" name="Elbow Connector 106"/>
-          <p:cNvCxnSpPr>
-            <a:cxnSpLocks/>
-          </p:cNvCxnSpPr>
+          <p:cNvCxnSpPr/>
           <p:nvPr/>
         </p:nvCxnSpPr>
         <p:spPr>
           <a:xfrm rot="5400000" flipH="1" flipV="1">
-            <a:off x="4155901" y="1308943"/>
+            <a:off x="3169746" y="1342598"/>
             <a:ext cx="613122" cy="4459404"/>
           </a:xfrm>
           <a:prstGeom prst="bentConnector3">
@@ -3672,7 +3630,7 @@
         </p:nvSpPr>
         <p:spPr>
           <a:xfrm rot="16200000">
-            <a:off x="956202" y="2861202"/>
+            <a:off x="-29953" y="2894857"/>
             <a:ext cx="1093635" cy="346760"/>
           </a:xfrm>
           <a:prstGeom prst="rect">
@@ -3715,6 +3673,11 @@
               </a:rPr>
               <a:t>&lt;&lt;interface&gt;&gt;</a:t>
             </a:r>
+            <a:endParaRPr lang="en-US" sz="1050" dirty="0">
+              <a:solidFill>
+                <a:schemeClr val="bg1"/>
+              </a:solidFill>
+            </a:endParaRPr>
           </a:p>
           <a:p>
             <a:pPr algn="ctr"/>
@@ -3742,7 +3705,7 @@
         </p:nvSpPr>
         <p:spPr>
           <a:xfrm rot="16200000">
-            <a:off x="1626910" y="2952291"/>
+            <a:off x="640755" y="2985946"/>
             <a:ext cx="270504" cy="175523"/>
           </a:xfrm>
           <a:prstGeom prst="triangle">
@@ -3792,8 +3755,8 @@
         </p:nvCxnSpPr>
         <p:spPr>
           <a:xfrm>
-            <a:off x="2609828" y="3636620"/>
-            <a:ext cx="267352" cy="0"/>
+            <a:off x="1623673" y="3670275"/>
+            <a:ext cx="267335" cy="0"/>
           </a:xfrm>
           <a:prstGeom prst="straightConnector1">
             <a:avLst/>
@@ -3875,7 +3838,7 @@
         </p:nvCxnSpPr>
         <p:spPr>
           <a:xfrm flipV="1">
-            <a:off x="1849924" y="3040052"/>
+            <a:off x="863769" y="3073707"/>
             <a:ext cx="216105" cy="1"/>
           </a:xfrm>
           <a:prstGeom prst="line">
@@ -3914,7 +3877,7 @@
         </p:nvSpPr>
         <p:spPr>
           <a:xfrm>
-            <a:off x="2373780" y="3549930"/>
+            <a:off x="1387625" y="3583585"/>
             <a:ext cx="236048" cy="173380"/>
           </a:xfrm>
           <a:prstGeom prst="flowChartDecision">
@@ -3959,7 +3922,7 @@
         </p:nvSpPr>
         <p:spPr>
           <a:xfrm>
-            <a:off x="2786406" y="2834911"/>
+            <a:off x="1800251" y="2868566"/>
             <a:ext cx="1447688" cy="346760"/>
           </a:xfrm>
           <a:prstGeom prst="rect">
@@ -3997,9 +3960,9 @@
                   <a:srgbClr val="7030A0"/>
                 </a:solidFill>
               </a:rPr>
-              <a:t>VersionedAddressBook</a:t>
-            </a:r>
-            <a:endParaRPr lang="en-SG" sz="1050" dirty="0">
+              <a:t>VersionedSaveIt</a:t>
+            </a:r>
+            <a:endParaRPr lang="en-US" sz="1050" dirty="0">
               <a:solidFill>
                 <a:srgbClr val="7030A0"/>
               </a:solidFill>
@@ -4018,8 +3981,8 @@
         </p:nvCxnSpPr>
         <p:spPr>
           <a:xfrm>
-            <a:off x="2624360" y="3003033"/>
-            <a:ext cx="162046" cy="5258"/>
+            <a:off x="1638205" y="3037323"/>
+            <a:ext cx="161925" cy="4445"/>
           </a:xfrm>
           <a:prstGeom prst="straightConnector1">
             <a:avLst/>
@@ -4056,7 +4019,7 @@
         </p:nvSpPr>
         <p:spPr>
           <a:xfrm>
-            <a:off x="2388312" y="2916343"/>
+            <a:off x="1402157" y="2949998"/>
             <a:ext cx="236048" cy="173380"/>
           </a:xfrm>
           <a:prstGeom prst="flowChartDecision">
@@ -4101,7 +4064,7 @@
         </p:nvSpPr>
         <p:spPr>
           <a:xfrm>
-            <a:off x="4762209" y="2863434"/>
+            <a:off x="3776054" y="2897089"/>
             <a:ext cx="1156969" cy="346760"/>
           </a:xfrm>
           <a:prstGeom prst="rect">
@@ -4139,7 +4102,7 @@
                   <a:srgbClr val="7030A0"/>
                 </a:solidFill>
               </a:rPr>
-              <a:t>UniquePersonList</a:t>
+              <a:t>UniqueIssueList</a:t>
             </a:r>
             <a:endParaRPr lang="en-SG" sz="1050" dirty="0">
               <a:solidFill>
@@ -4157,7 +4120,7 @@
         </p:nvSpPr>
         <p:spPr>
           <a:xfrm>
-            <a:off x="4233246" y="2948201"/>
+            <a:off x="3247091" y="2981856"/>
             <a:ext cx="236048" cy="173380"/>
           </a:xfrm>
           <a:prstGeom prst="flowChartDecision">
@@ -4207,11 +4170,13 @@
         </p:nvCxnSpPr>
         <p:spPr>
           <a:xfrm>
-            <a:off x="4469294" y="3034891"/>
-            <a:ext cx="292915" cy="1923"/>
+            <a:off x="3483610" y="3068955"/>
+            <a:ext cx="292735" cy="1270"/>
           </a:xfrm>
           <a:prstGeom prst="bentConnector3">
-            <a:avLst/>
+            <a:avLst>
+              <a:gd name="adj1" fmla="val 50108"/>
+            </a:avLst>
           </a:prstGeom>
           <a:ln w="19050">
             <a:solidFill>
@@ -4245,7 +4210,7 @@
         </p:nvSpPr>
         <p:spPr>
           <a:xfrm>
-            <a:off x="6313677" y="2858066"/>
+            <a:off x="5327522" y="2891721"/>
             <a:ext cx="708186" cy="346760"/>
           </a:xfrm>
           <a:prstGeom prst="rect">
@@ -4278,14 +4243,14 @@
           <a:p>
             <a:pPr algn="ctr"/>
             <a:r>
-              <a:rPr lang="en-US" sz="1050" dirty="0">
+              <a:rPr lang="en-US" altLang="en-SG" sz="1050" dirty="0">
                 <a:solidFill>
                   <a:srgbClr val="7030A0"/>
                 </a:solidFill>
               </a:rPr>
-              <a:t>Person</a:t>
-            </a:r>
-            <a:endParaRPr lang="en-SG" sz="1050" dirty="0">
+              <a:t>Issue</a:t>
+            </a:r>
+            <a:endParaRPr lang="en-US" altLang="en-SG" sz="1050" dirty="0">
               <a:solidFill>
                 <a:srgbClr val="7030A0"/>
               </a:solidFill>
@@ -4301,7 +4266,7 @@
         </p:nvSpPr>
         <p:spPr>
           <a:xfrm>
-            <a:off x="5918460" y="2941065"/>
+            <a:off x="4932305" y="2974720"/>
             <a:ext cx="236048" cy="173380"/>
           </a:xfrm>
           <a:prstGeom prst="flowChartDecision">
@@ -4342,7 +4307,6 @@
         <p:nvCxnSpPr>
           <p:cNvPr id="64" name="Elbow Connector 63"/>
           <p:cNvCxnSpPr>
-            <a:cxnSpLocks/>
             <a:stCxn id="63" idx="3"/>
             <a:endCxn id="62" idx="1"/>
           </p:cNvCxnSpPr>
@@ -4350,11 +4314,13 @@
         </p:nvCxnSpPr>
         <p:spPr>
           <a:xfrm>
-            <a:off x="6154508" y="3027755"/>
-            <a:ext cx="159169" cy="3691"/>
+            <a:off x="5168265" y="3061970"/>
+            <a:ext cx="159385" cy="3175"/>
           </a:xfrm>
           <a:prstGeom prst="bentConnector3">
-            <a:avLst/>
+            <a:avLst>
+              <a:gd name="adj1" fmla="val 50199"/>
+            </a:avLst>
           </a:prstGeom>
           <a:ln w="19050">
             <a:solidFill>
@@ -4388,8 +4354,8 @@
         </p:nvSpPr>
         <p:spPr>
           <a:xfrm>
-            <a:off x="7712397" y="2564238"/>
-            <a:ext cx="708186" cy="285783"/>
+            <a:off x="6726555" y="2597785"/>
+            <a:ext cx="1094740" cy="269875"/>
           </a:xfrm>
           <a:prstGeom prst="rect">
             <a:avLst/>
@@ -4426,9 +4392,9 @@
                   <a:srgbClr val="7030A0"/>
                 </a:solidFill>
               </a:rPr>
-              <a:t>Name</a:t>
-            </a:r>
-            <a:endParaRPr lang="en-SG" sz="1050" dirty="0">
+              <a:t>IssueStatement</a:t>
+            </a:r>
+            <a:endParaRPr lang="en-US" sz="1050" dirty="0">
               <a:solidFill>
                 <a:srgbClr val="7030A0"/>
               </a:solidFill>
@@ -4444,7 +4410,7 @@
         </p:nvSpPr>
         <p:spPr>
           <a:xfrm>
-            <a:off x="7041947" y="2948201"/>
+            <a:off x="6055792" y="2981856"/>
             <a:ext cx="236048" cy="173380"/>
           </a:xfrm>
           <a:prstGeom prst="flowChartDecision">
@@ -4486,14 +4452,12 @@
       <p:cxnSp>
         <p:nvCxnSpPr>
           <p:cNvPr id="79" name="Elbow Connector 78"/>
-          <p:cNvCxnSpPr>
-            <a:cxnSpLocks/>
-          </p:cNvCxnSpPr>
+          <p:cNvCxnSpPr/>
           <p:nvPr/>
         </p:nvCxnSpPr>
         <p:spPr>
           <a:xfrm flipV="1">
-            <a:off x="7277995" y="2706821"/>
+            <a:off x="6291840" y="2740476"/>
             <a:ext cx="434402" cy="327761"/>
           </a:xfrm>
           <a:prstGeom prst="bentConnector3">
@@ -4531,8 +4495,8 @@
         </p:nvSpPr>
         <p:spPr>
           <a:xfrm>
-            <a:off x="7712397" y="2887216"/>
-            <a:ext cx="708186" cy="285783"/>
+            <a:off x="6725920" y="2917825"/>
+            <a:ext cx="1095375" cy="291465"/>
           </a:xfrm>
           <a:prstGeom prst="rect">
             <a:avLst/>
@@ -4569,9 +4533,9 @@
                   <a:srgbClr val="7030A0"/>
                 </a:solidFill>
               </a:rPr>
-              <a:t>Phone</a:t>
-            </a:r>
-            <a:endParaRPr lang="en-SG" sz="1050" dirty="0">
+              <a:t>Description</a:t>
+            </a:r>
+            <a:endParaRPr lang="en-US" sz="1050" dirty="0">
               <a:solidFill>
                 <a:srgbClr val="7030A0"/>
               </a:solidFill>
@@ -4582,19 +4546,18 @@
       <p:cxnSp>
         <p:nvCxnSpPr>
           <p:cNvPr id="81" name="Elbow Connector 80"/>
-          <p:cNvCxnSpPr>
-            <a:stCxn id="78" idx="3"/>
-            <a:endCxn id="80" idx="1"/>
-          </p:cNvCxnSpPr>
+          <p:cNvCxnSpPr/>
           <p:nvPr/>
         </p:nvCxnSpPr>
         <p:spPr>
           <a:xfrm flipV="1">
-            <a:off x="7277995" y="3030108"/>
-            <a:ext cx="434402" cy="4783"/>
+            <a:off x="6292215" y="3060065"/>
+            <a:ext cx="433705" cy="5080"/>
           </a:xfrm>
           <a:prstGeom prst="bentConnector3">
-            <a:avLst/>
+            <a:avLst>
+              <a:gd name="adj1" fmla="val 50073"/>
+            </a:avLst>
           </a:prstGeom>
           <a:ln w="19050">
             <a:solidFill>
@@ -4622,13 +4585,13 @@
       </p:cxnSp>
       <p:sp>
         <p:nvSpPr>
-          <p:cNvPr id="83" name="Rectangle 8"/>
+          <p:cNvPr id="85" name="Rectangle 8"/>
           <p:cNvSpPr/>
           <p:nvPr/>
         </p:nvSpPr>
         <p:spPr>
           <a:xfrm>
-            <a:off x="7712397" y="3210194"/>
+            <a:off x="6725607" y="3319811"/>
             <a:ext cx="708186" cy="285783"/>
           </a:xfrm>
           <a:prstGeom prst="rect">
@@ -4666,9 +4629,9 @@
                   <a:srgbClr val="7030A0"/>
                 </a:solidFill>
               </a:rPr>
-              <a:t>Email</a:t>
-            </a:r>
-            <a:endParaRPr lang="en-SG" sz="1050" dirty="0">
+              <a:t>Solutions</a:t>
+            </a:r>
+            <a:endParaRPr lang="en-US" sz="1050" dirty="0">
               <a:solidFill>
                 <a:srgbClr val="7030A0"/>
               </a:solidFill>
@@ -4678,20 +4641,19 @@
       </p:sp>
       <p:cxnSp>
         <p:nvCxnSpPr>
-          <p:cNvPr id="84" name="Elbow Connector 83"/>
-          <p:cNvCxnSpPr>
-            <a:stCxn id="78" idx="3"/>
-            <a:endCxn id="83" idx="1"/>
-          </p:cNvCxnSpPr>
+          <p:cNvPr id="86" name="Elbow Connector 85"/>
+          <p:cNvCxnSpPr/>
           <p:nvPr/>
         </p:nvCxnSpPr>
         <p:spPr>
           <a:xfrm>
-            <a:off x="7277995" y="3034891"/>
-            <a:ext cx="434402" cy="318195"/>
+            <a:off x="6291580" y="3065145"/>
+            <a:ext cx="418465" cy="397510"/>
           </a:xfrm>
           <a:prstGeom prst="bentConnector3">
-            <a:avLst/>
+            <a:avLst>
+              <a:gd name="adj1" fmla="val 50076"/>
+            </a:avLst>
           </a:prstGeom>
           <a:ln w="19050">
             <a:solidFill>
@@ -4719,14 +4681,53 @@
       </p:cxnSp>
       <p:sp>
         <p:nvSpPr>
-          <p:cNvPr id="85" name="Rectangle 8"/>
+          <p:cNvPr id="114" name="TextBox 113"/>
+          <p:cNvSpPr txBox="1"/>
+          <p:nvPr/>
+        </p:nvSpPr>
+        <p:spPr>
+          <a:xfrm rot="16200000">
+            <a:off x="5376731" y="3619960"/>
+            <a:ext cx="881018" cy="261610"/>
+          </a:xfrm>
+          <a:prstGeom prst="rect">
+            <a:avLst/>
+          </a:prstGeom>
+          <a:noFill/>
+        </p:spPr>
+        <p:txBody>
+          <a:bodyPr wrap="square" rtlCol="0">
+            <a:spAutoFit/>
+          </a:bodyPr>
+          <a:lstStyle/>
+          <a:p>
+            <a:pPr algn="r"/>
+            <a:r>
+              <a:rPr lang="en-US" sz="1100" dirty="0">
+                <a:solidFill>
+                  <a:srgbClr val="7030A0"/>
+                </a:solidFill>
+              </a:rPr>
+              <a:t>filtered list</a:t>
+            </a:r>
+            <a:endParaRPr lang="en-SG" sz="1100" dirty="0">
+              <a:solidFill>
+                <a:srgbClr val="7030A0"/>
+              </a:solidFill>
+            </a:endParaRPr>
+          </a:p>
+        </p:txBody>
+      </p:sp>
+      <p:sp>
+        <p:nvSpPr>
+          <p:cNvPr id="122" name="Rectangle 8"/>
           <p:cNvSpPr/>
           <p:nvPr/>
         </p:nvSpPr>
         <p:spPr>
           <a:xfrm>
-            <a:off x="7712397" y="3533171"/>
-            <a:ext cx="708186" cy="285783"/>
+            <a:off x="1071246" y="4273146"/>
+            <a:ext cx="1066800" cy="346760"/>
           </a:xfrm>
           <a:prstGeom prst="rect">
             <a:avLst/>
@@ -4763,7 +4764,22 @@
                   <a:srgbClr val="7030A0"/>
                 </a:solidFill>
               </a:rPr>
-              <a:t>Address</a:t>
+              <a:t>&lt;&lt;interface&gt;&gt;</a:t>
+            </a:r>
+            <a:br>
+              <a:rPr lang="en-US" sz="1050">
+                <a:solidFill>
+                  <a:srgbClr val="7030A0"/>
+                </a:solidFill>
+              </a:rPr>
+            </a:br>
+            <a:r>
+              <a:rPr lang="en-US" sz="1050" dirty="0" err="1">
+                <a:solidFill>
+                  <a:srgbClr val="7030A0"/>
+                </a:solidFill>
+              </a:rPr>
+              <a:t>ObservableList</a:t>
             </a:r>
             <a:endParaRPr lang="en-SG" sz="1050" dirty="0">
               <a:solidFill>
@@ -4775,25 +4791,26 @@
       </p:sp>
       <p:cxnSp>
         <p:nvCxnSpPr>
-          <p:cNvPr id="86" name="Elbow Connector 85"/>
+          <p:cNvPr id="124" name="Elbow Connector 122"/>
           <p:cNvCxnSpPr>
-            <a:stCxn id="78" idx="3"/>
-            <a:endCxn id="85" idx="1"/>
+            <a:stCxn id="119" idx="1"/>
+            <a:endCxn id="122" idx="1"/>
           </p:cNvCxnSpPr>
           <p:nvPr/>
         </p:nvCxnSpPr>
         <p:spPr>
-          <a:xfrm>
-            <a:off x="7277995" y="3034891"/>
-            <a:ext cx="434402" cy="641172"/>
-          </a:xfrm>
-          <a:prstGeom prst="bentConnector3">
+          <a:xfrm rot="5400000" flipV="1">
+            <a:off x="378460" y="3753485"/>
+            <a:ext cx="831215" cy="554355"/>
+          </a:xfrm>
+          <a:prstGeom prst="bentConnector2">
             <a:avLst/>
           </a:prstGeom>
           <a:ln w="19050">
             <a:solidFill>
               <a:srgbClr val="7030A0"/>
             </a:solidFill>
+            <a:prstDash val="sysDot"/>
             <a:headEnd type="none" w="med" len="med"/>
             <a:tailEnd type="arrow" w="med" len="med"/>
           </a:ln>
@@ -4816,14 +4833,14 @@
       </p:cxnSp>
       <p:sp>
         <p:nvSpPr>
-          <p:cNvPr id="114" name="TextBox 113"/>
+          <p:cNvPr id="54" name="TextBox 53"/>
           <p:cNvSpPr txBox="1"/>
           <p:nvPr/>
         </p:nvSpPr>
         <p:spPr>
-          <a:xfrm rot="16200000">
-            <a:off x="6362886" y="3586305"/>
-            <a:ext cx="881018" cy="261610"/>
+          <a:xfrm>
+            <a:off x="3338817" y="3092519"/>
+            <a:ext cx="189257" cy="178683"/>
           </a:xfrm>
           <a:prstGeom prst="rect">
             <a:avLst/>
@@ -4831,19 +4848,19 @@
           <a:noFill/>
         </p:spPr>
         <p:txBody>
-          <a:bodyPr wrap="square" rtlCol="0">
-            <a:spAutoFit/>
+          <a:bodyPr wrap="square" lIns="0" tIns="0" rIns="0" bIns="0" rtlCol="0">
+            <a:noAutofit/>
           </a:bodyPr>
           <a:lstStyle/>
           <a:p>
-            <a:pPr algn="r"/>
+            <a:pPr algn="ctr"/>
             <a:r>
               <a:rPr lang="en-US" sz="1100" dirty="0">
                 <a:solidFill>
                   <a:srgbClr val="7030A0"/>
                 </a:solidFill>
               </a:rPr>
-              <a:t>filtered list</a:t>
+              <a:t>1</a:t>
             </a:r>
             <a:endParaRPr lang="en-SG" sz="1100" dirty="0">
               <a:solidFill>
@@ -4855,14 +4872,170 @@
       </p:sp>
       <p:sp>
         <p:nvSpPr>
-          <p:cNvPr id="122" name="Rectangle 8"/>
+          <p:cNvPr id="61" name="TextBox 60"/>
+          <p:cNvSpPr txBox="1"/>
+          <p:nvPr/>
+        </p:nvSpPr>
+        <p:spPr>
+          <a:xfrm>
+            <a:off x="5149101" y="3131572"/>
+            <a:ext cx="189257" cy="178683"/>
+          </a:xfrm>
+          <a:prstGeom prst="rect">
+            <a:avLst/>
+          </a:prstGeom>
+          <a:noFill/>
+        </p:spPr>
+        <p:txBody>
+          <a:bodyPr wrap="square" lIns="0" tIns="0" rIns="0" bIns="0" rtlCol="0">
+            <a:noAutofit/>
+          </a:bodyPr>
+          <a:lstStyle/>
+          <a:p>
+            <a:pPr algn="ctr"/>
+            <a:r>
+              <a:rPr lang="en-US" sz="1100" dirty="0">
+                <a:solidFill>
+                  <a:srgbClr val="7030A0"/>
+                </a:solidFill>
+              </a:rPr>
+              <a:t>*</a:t>
+            </a:r>
+            <a:endParaRPr lang="en-SG" sz="1100" dirty="0">
+              <a:solidFill>
+                <a:srgbClr val="7030A0"/>
+              </a:solidFill>
+            </a:endParaRPr>
+          </a:p>
+        </p:txBody>
+      </p:sp>
+      <p:sp>
+        <p:nvSpPr>
+          <p:cNvPr id="65" name="TextBox 64"/>
+          <p:cNvSpPr txBox="1"/>
+          <p:nvPr/>
+        </p:nvSpPr>
+        <p:spPr>
+          <a:xfrm>
+            <a:off x="1574012" y="2787473"/>
+            <a:ext cx="78378" cy="193767"/>
+          </a:xfrm>
+          <a:prstGeom prst="rect">
+            <a:avLst/>
+          </a:prstGeom>
+          <a:noFill/>
+        </p:spPr>
+        <p:txBody>
+          <a:bodyPr wrap="square" lIns="0" tIns="0" rIns="0" bIns="0" rtlCol="0">
+            <a:noAutofit/>
+          </a:bodyPr>
+          <a:lstStyle/>
+          <a:p>
+            <a:pPr algn="ctr"/>
+            <a:r>
+              <a:rPr lang="en-US" sz="1100" dirty="0">
+                <a:solidFill>
+                  <a:srgbClr val="7030A0"/>
+                </a:solidFill>
+              </a:rPr>
+              <a:t>1</a:t>
+            </a:r>
+            <a:endParaRPr lang="en-SG" sz="1100" dirty="0">
+              <a:solidFill>
+                <a:srgbClr val="7030A0"/>
+              </a:solidFill>
+            </a:endParaRPr>
+          </a:p>
+        </p:txBody>
+      </p:sp>
+      <p:sp>
+        <p:nvSpPr>
+          <p:cNvPr id="66" name="TextBox 65"/>
+          <p:cNvSpPr txBox="1"/>
+          <p:nvPr/>
+        </p:nvSpPr>
+        <p:spPr>
+          <a:xfrm>
+            <a:off x="1720915" y="3701392"/>
+            <a:ext cx="189257" cy="178683"/>
+          </a:xfrm>
+          <a:prstGeom prst="rect">
+            <a:avLst/>
+          </a:prstGeom>
+          <a:noFill/>
+        </p:spPr>
+        <p:txBody>
+          <a:bodyPr wrap="square" lIns="0" tIns="0" rIns="0" bIns="0" rtlCol="0">
+            <a:noAutofit/>
+          </a:bodyPr>
+          <a:lstStyle/>
+          <a:p>
+            <a:pPr algn="ctr"/>
+            <a:r>
+              <a:rPr lang="en-US" sz="1100" dirty="0">
+                <a:solidFill>
+                  <a:srgbClr val="7030A0"/>
+                </a:solidFill>
+              </a:rPr>
+              <a:t>1</a:t>
+            </a:r>
+            <a:endParaRPr lang="en-SG" sz="1100" dirty="0">
+              <a:solidFill>
+                <a:srgbClr val="7030A0"/>
+              </a:solidFill>
+            </a:endParaRPr>
+          </a:p>
+        </p:txBody>
+      </p:sp>
+      <p:sp>
+        <p:nvSpPr>
+          <p:cNvPr id="70" name="TextBox 69"/>
+          <p:cNvSpPr txBox="1"/>
+          <p:nvPr/>
+        </p:nvSpPr>
+        <p:spPr>
+          <a:xfrm>
+            <a:off x="5463741" y="3238481"/>
+            <a:ext cx="189257" cy="178683"/>
+          </a:xfrm>
+          <a:prstGeom prst="rect">
+            <a:avLst/>
+          </a:prstGeom>
+          <a:noFill/>
+        </p:spPr>
+        <p:txBody>
+          <a:bodyPr wrap="square" lIns="0" tIns="0" rIns="0" bIns="0" rtlCol="0">
+            <a:noAutofit/>
+          </a:bodyPr>
+          <a:lstStyle/>
+          <a:p>
+            <a:pPr algn="ctr"/>
+            <a:r>
+              <a:rPr lang="en-US" sz="1100" dirty="0">
+                <a:solidFill>
+                  <a:srgbClr val="7030A0"/>
+                </a:solidFill>
+              </a:rPr>
+              <a:t>1</a:t>
+            </a:r>
+            <a:endParaRPr lang="en-SG" sz="1100" dirty="0">
+              <a:solidFill>
+                <a:srgbClr val="7030A0"/>
+              </a:solidFill>
+            </a:endParaRPr>
+          </a:p>
+        </p:txBody>
+      </p:sp>
+      <p:sp>
+        <p:nvSpPr>
+          <p:cNvPr id="52" name="Rectangle 8"/>
           <p:cNvSpPr/>
           <p:nvPr/>
         </p:nvSpPr>
         <p:spPr>
           <a:xfrm>
-            <a:off x="2057401" y="4239491"/>
-            <a:ext cx="1066800" cy="346760"/>
+            <a:off x="3769717" y="2240516"/>
+            <a:ext cx="1156969" cy="285783"/>
           </a:xfrm>
           <a:prstGeom prst="rect">
             <a:avLst/>
@@ -4894,35 +5067,12 @@
           <a:p>
             <a:pPr algn="ctr"/>
             <a:r>
-              <a:rPr lang="en-US" sz="1050" dirty="0">
-                <a:solidFill>
-                  <a:srgbClr val="7030A0"/>
-                </a:solidFill>
-              </a:rPr>
-              <a:t>&lt;&lt;interface&gt;&gt;</a:t>
-            </a:r>
-            <a:r>
-              <a:rPr lang="en-US" sz="1050">
-                <a:solidFill>
-                  <a:srgbClr val="7030A0"/>
-                </a:solidFill>
-              </a:rPr>
-              <a:t/>
-            </a:r>
-            <a:br>
-              <a:rPr lang="en-US" sz="1050">
-                <a:solidFill>
-                  <a:srgbClr val="7030A0"/>
-                </a:solidFill>
-              </a:rPr>
-            </a:br>
-            <a:r>
               <a:rPr lang="en-US" sz="1050" dirty="0" err="1">
                 <a:solidFill>
                   <a:srgbClr val="7030A0"/>
                 </a:solidFill>
               </a:rPr>
-              <a:t>ObservableList</a:t>
+              <a:t>UniqueTagList</a:t>
             </a:r>
             <a:endParaRPr lang="en-SG" sz="1050" dirty="0">
               <a:solidFill>
@@ -4934,17 +5084,17 @@
       </p:sp>
       <p:cxnSp>
         <p:nvCxnSpPr>
-          <p:cNvPr id="124" name="Elbow Connector 122"/>
+          <p:cNvPr id="53" name="Elbow Connector 78"/>
           <p:cNvCxnSpPr>
-            <a:stCxn id="119" idx="1"/>
-            <a:endCxn id="122" idx="1"/>
+            <a:stCxn id="54" idx="0"/>
+            <a:endCxn id="52" idx="1"/>
           </p:cNvCxnSpPr>
           <p:nvPr/>
         </p:nvCxnSpPr>
         <p:spPr>
-          <a:xfrm rot="16200000" flipH="1">
-            <a:off x="1364475" y="3719944"/>
-            <a:ext cx="831471" cy="554381"/>
+          <a:xfrm rot="16200000">
+            <a:off x="3247073" y="2569528"/>
+            <a:ext cx="709295" cy="336550"/>
           </a:xfrm>
           <a:prstGeom prst="bentConnector2">
             <a:avLst/>
@@ -4953,7 +5103,6 @@
             <a:solidFill>
               <a:srgbClr val="7030A0"/>
             </a:solidFill>
-            <a:prstDash val="sysDot"/>
             <a:headEnd type="none" w="med" len="med"/>
             <a:tailEnd type="arrow" w="med" len="med"/>
           </a:ln>
@@ -4976,52 +5125,13 @@
       </p:cxnSp>
       <p:sp>
         <p:nvSpPr>
-          <p:cNvPr id="54" name="TextBox 53"/>
+          <p:cNvPr id="50" name="TextBox 49"/>
           <p:cNvSpPr txBox="1"/>
           <p:nvPr/>
         </p:nvSpPr>
         <p:spPr>
           <a:xfrm>
-            <a:off x="4324972" y="3058864"/>
-            <a:ext cx="189257" cy="178683"/>
-          </a:xfrm>
-          <a:prstGeom prst="rect">
-            <a:avLst/>
-          </a:prstGeom>
-          <a:noFill/>
-        </p:spPr>
-        <p:txBody>
-          <a:bodyPr wrap="square" lIns="0" tIns="0" rIns="0" bIns="0" rtlCol="0">
-            <a:noAutofit/>
-          </a:bodyPr>
-          <a:lstStyle/>
-          <a:p>
-            <a:pPr algn="ctr"/>
-            <a:r>
-              <a:rPr lang="en-US" sz="1100" dirty="0">
-                <a:solidFill>
-                  <a:srgbClr val="7030A0"/>
-                </a:solidFill>
-              </a:rPr>
-              <a:t>1</a:t>
-            </a:r>
-            <a:endParaRPr lang="en-SG" sz="1100" dirty="0">
-              <a:solidFill>
-                <a:srgbClr val="7030A0"/>
-              </a:solidFill>
-            </a:endParaRPr>
-          </a:p>
-        </p:txBody>
-      </p:sp>
-      <p:sp>
-        <p:nvSpPr>
-          <p:cNvPr id="61" name="TextBox 60"/>
-          <p:cNvSpPr txBox="1"/>
-          <p:nvPr/>
-        </p:nvSpPr>
-        <p:spPr>
-          <a:xfrm>
-            <a:off x="6135256" y="3097917"/>
+            <a:off x="5728189" y="2464376"/>
             <a:ext cx="189257" cy="178683"/>
           </a:xfrm>
           <a:prstGeom prst="rect">
@@ -5054,141 +5164,19 @@
       </p:sp>
       <p:sp>
         <p:nvSpPr>
-          <p:cNvPr id="65" name="TextBox 64"/>
-          <p:cNvSpPr txBox="1"/>
+          <p:cNvPr id="55" name="Flowchart: Decision 96"/>
+          <p:cNvSpPr/>
           <p:nvPr/>
         </p:nvSpPr>
         <p:spPr>
-          <a:xfrm>
-            <a:off x="2560167" y="2753818"/>
-            <a:ext cx="78378" cy="193767"/>
-          </a:xfrm>
-          <a:prstGeom prst="rect">
+          <a:xfrm rot="16200000">
+            <a:off x="5567327" y="2698376"/>
+            <a:ext cx="236048" cy="173380"/>
+          </a:xfrm>
+          <a:prstGeom prst="flowChartDecision">
             <a:avLst/>
           </a:prstGeom>
           <a:noFill/>
-        </p:spPr>
-        <p:txBody>
-          <a:bodyPr wrap="square" lIns="0" tIns="0" rIns="0" bIns="0" rtlCol="0">
-            <a:noAutofit/>
-          </a:bodyPr>
-          <a:lstStyle/>
-          <a:p>
-            <a:pPr algn="ctr"/>
-            <a:r>
-              <a:rPr lang="en-US" sz="1100" dirty="0">
-                <a:solidFill>
-                  <a:srgbClr val="7030A0"/>
-                </a:solidFill>
-              </a:rPr>
-              <a:t>1</a:t>
-            </a:r>
-            <a:endParaRPr lang="en-SG" sz="1100" dirty="0">
-              <a:solidFill>
-                <a:srgbClr val="7030A0"/>
-              </a:solidFill>
-            </a:endParaRPr>
-          </a:p>
-        </p:txBody>
-      </p:sp>
-      <p:sp>
-        <p:nvSpPr>
-          <p:cNvPr id="66" name="TextBox 65"/>
-          <p:cNvSpPr txBox="1"/>
-          <p:nvPr/>
-        </p:nvSpPr>
-        <p:spPr>
-          <a:xfrm>
-            <a:off x="2707070" y="3667737"/>
-            <a:ext cx="189257" cy="178683"/>
-          </a:xfrm>
-          <a:prstGeom prst="rect">
-            <a:avLst/>
-          </a:prstGeom>
-          <a:noFill/>
-        </p:spPr>
-        <p:txBody>
-          <a:bodyPr wrap="square" lIns="0" tIns="0" rIns="0" bIns="0" rtlCol="0">
-            <a:noAutofit/>
-          </a:bodyPr>
-          <a:lstStyle/>
-          <a:p>
-            <a:pPr algn="ctr"/>
-            <a:r>
-              <a:rPr lang="en-US" sz="1100" dirty="0">
-                <a:solidFill>
-                  <a:srgbClr val="7030A0"/>
-                </a:solidFill>
-              </a:rPr>
-              <a:t>1</a:t>
-            </a:r>
-            <a:endParaRPr lang="en-SG" sz="1100" dirty="0">
-              <a:solidFill>
-                <a:srgbClr val="7030A0"/>
-              </a:solidFill>
-            </a:endParaRPr>
-          </a:p>
-        </p:txBody>
-      </p:sp>
-      <p:sp>
-        <p:nvSpPr>
-          <p:cNvPr id="70" name="TextBox 69"/>
-          <p:cNvSpPr txBox="1"/>
-          <p:nvPr/>
-        </p:nvSpPr>
-        <p:spPr>
-          <a:xfrm>
-            <a:off x="6449896" y="3204826"/>
-            <a:ext cx="189257" cy="178683"/>
-          </a:xfrm>
-          <a:prstGeom prst="rect">
-            <a:avLst/>
-          </a:prstGeom>
-          <a:noFill/>
-        </p:spPr>
-        <p:txBody>
-          <a:bodyPr wrap="square" lIns="0" tIns="0" rIns="0" bIns="0" rtlCol="0">
-            <a:noAutofit/>
-          </a:bodyPr>
-          <a:lstStyle/>
-          <a:p>
-            <a:pPr algn="ctr"/>
-            <a:r>
-              <a:rPr lang="en-US" sz="1100" dirty="0">
-                <a:solidFill>
-                  <a:srgbClr val="7030A0"/>
-                </a:solidFill>
-              </a:rPr>
-              <a:t>1</a:t>
-            </a:r>
-            <a:endParaRPr lang="en-SG" sz="1100" dirty="0">
-              <a:solidFill>
-                <a:srgbClr val="7030A0"/>
-              </a:solidFill>
-            </a:endParaRPr>
-          </a:p>
-        </p:txBody>
-      </p:sp>
-      <p:sp>
-        <p:nvSpPr>
-          <p:cNvPr id="52" name="Rectangle 8">
-            <a:extLst>
-              <a:ext uri="{FF2B5EF4-FFF2-40B4-BE49-F238E27FC236}">
-                <a16:creationId xmlns:a16="http://schemas.microsoft.com/office/drawing/2014/main" id="{ABDCDBD2-131A-4B66-A2F2-43BBEE82C773}"/>
-              </a:ext>
-            </a:extLst>
-          </p:cNvPr>
-          <p:cNvSpPr/>
-          <p:nvPr/>
-        </p:nvSpPr>
-        <p:spPr>
-          <a:xfrm>
-            <a:off x="4755872" y="2206861"/>
-            <a:ext cx="1156969" cy="285783"/>
-          </a:xfrm>
-          <a:prstGeom prst="rect">
-            <a:avLst/>
-          </a:prstGeom>
           <a:ln w="19050">
             <a:solidFill>
               <a:srgbClr val="7030A0"/>
@@ -5198,13 +5186,13 @@
         </p:spPr>
         <p:style>
           <a:lnRef idx="1">
-            <a:schemeClr val="accent4"/>
+            <a:schemeClr val="accent6"/>
           </a:lnRef>
           <a:fillRef idx="2">
-            <a:schemeClr val="accent4"/>
+            <a:schemeClr val="accent6"/>
           </a:fillRef>
           <a:effectRef idx="1">
-            <a:schemeClr val="accent4"/>
+            <a:schemeClr val="accent6"/>
           </a:effectRef>
           <a:fontRef idx="minor">
             <a:schemeClr val="dk1"/>
@@ -5215,44 +5203,24 @@
           <a:lstStyle/>
           <a:p>
             <a:pPr algn="ctr"/>
-            <a:r>
-              <a:rPr lang="en-US" sz="1050" dirty="0" err="1">
-                <a:solidFill>
-                  <a:srgbClr val="7030A0"/>
-                </a:solidFill>
-              </a:rPr>
-              <a:t>UniqueTagList</a:t>
-            </a:r>
-            <a:endParaRPr lang="en-SG" sz="1050" dirty="0">
-              <a:solidFill>
-                <a:srgbClr val="7030A0"/>
-              </a:solidFill>
-            </a:endParaRPr>
+            <a:endParaRPr lang="en-US" sz="1050"/>
           </a:p>
         </p:txBody>
       </p:sp>
       <p:cxnSp>
         <p:nvCxnSpPr>
-          <p:cNvPr id="53" name="Elbow Connector 78">
-            <a:extLst>
-              <a:ext uri="{FF2B5EF4-FFF2-40B4-BE49-F238E27FC236}">
-                <a16:creationId xmlns:a16="http://schemas.microsoft.com/office/drawing/2014/main" id="{B97967F8-618A-448B-81FD-CDFD4AF0EC64}"/>
-              </a:ext>
-            </a:extLst>
-          </p:cNvPr>
+          <p:cNvPr id="59" name="Elbow Connector 63"/>
           <p:cNvCxnSpPr>
-            <a:cxnSpLocks/>
-            <a:stCxn id="54" idx="0"/>
-            <a:endCxn id="52" idx="1"/>
+            <a:endCxn id="67" idx="1"/>
           </p:cNvCxnSpPr>
           <p:nvPr/>
         </p:nvCxnSpPr>
         <p:spPr>
-          <a:xfrm rot="5400000" flipH="1" flipV="1">
-            <a:off x="4233181" y="2536174"/>
-            <a:ext cx="709111" cy="336271"/>
-          </a:xfrm>
-          <a:prstGeom prst="bentConnector2">
+          <a:xfrm flipV="1">
+            <a:off x="4898125" y="2266661"/>
+            <a:ext cx="432916" cy="111294"/>
+          </a:xfrm>
+          <a:prstGeom prst="bentConnector3">
             <a:avLst/>
           </a:prstGeom>
           <a:ln w="19050">
@@ -5281,19 +5249,69 @@
       </p:cxnSp>
       <p:sp>
         <p:nvSpPr>
-          <p:cNvPr id="50" name="TextBox 49">
-            <a:extLst>
-              <a:ext uri="{FF2B5EF4-FFF2-40B4-BE49-F238E27FC236}">
-                <a16:creationId xmlns:a16="http://schemas.microsoft.com/office/drawing/2014/main" id="{B3FA9D57-880F-49C4-AD0B-A64E30D6F403}"/>
-              </a:ext>
-            </a:extLst>
-          </p:cNvPr>
+          <p:cNvPr id="67" name="Rectangle 8"/>
+          <p:cNvSpPr/>
+          <p:nvPr/>
+        </p:nvSpPr>
+        <p:spPr>
+          <a:xfrm>
+            <a:off x="5331041" y="2093281"/>
+            <a:ext cx="708186" cy="346760"/>
+          </a:xfrm>
+          <a:prstGeom prst="rect">
+            <a:avLst/>
+          </a:prstGeom>
+          <a:ln w="19050">
+            <a:solidFill>
+              <a:srgbClr val="7030A0"/>
+            </a:solidFill>
+          </a:ln>
+          <a:effectLst/>
+        </p:spPr>
+        <p:style>
+          <a:lnRef idx="1">
+            <a:schemeClr val="accent4"/>
+          </a:lnRef>
+          <a:fillRef idx="2">
+            <a:schemeClr val="accent4"/>
+          </a:fillRef>
+          <a:effectRef idx="1">
+            <a:schemeClr val="accent4"/>
+          </a:effectRef>
+          <a:fontRef idx="minor">
+            <a:schemeClr val="dk1"/>
+          </a:fontRef>
+        </p:style>
+        <p:txBody>
+          <a:bodyPr rtlCol="0" anchor="ctr"/>
+          <a:lstStyle/>
+          <a:p>
+            <a:pPr algn="ctr"/>
+            <a:r>
+              <a:rPr lang="en-US" sz="1050" dirty="0">
+                <a:solidFill>
+                  <a:srgbClr val="7030A0"/>
+                </a:solidFill>
+              </a:rPr>
+              <a:t>Tag</a:t>
+            </a:r>
+            <a:endParaRPr lang="en-SG" sz="1050" dirty="0">
+              <a:solidFill>
+                <a:srgbClr val="7030A0"/>
+              </a:solidFill>
+            </a:endParaRPr>
+          </a:p>
+        </p:txBody>
+      </p:sp>
+      <p:sp>
+        <p:nvSpPr>
+          <p:cNvPr id="68" name="TextBox 67"/>
           <p:cNvSpPr txBox="1"/>
           <p:nvPr/>
         </p:nvSpPr>
         <p:spPr>
           <a:xfrm>
-            <a:off x="6714344" y="2430721"/>
+            <a:off x="5149101" y="2311669"/>
             <a:ext cx="189257" cy="178683"/>
           </a:xfrm>
           <a:prstGeom prst="rect">
@@ -5326,25 +5344,60 @@
       </p:sp>
       <p:sp>
         <p:nvSpPr>
-          <p:cNvPr id="55" name="Flowchart: Decision 96">
-            <a:extLst>
-              <a:ext uri="{FF2B5EF4-FFF2-40B4-BE49-F238E27FC236}">
-                <a16:creationId xmlns:a16="http://schemas.microsoft.com/office/drawing/2014/main" id="{B9F96195-942D-4692-91B7-CF34229E7461}"/>
-              </a:ext>
-            </a:extLst>
-          </p:cNvPr>
+          <p:cNvPr id="69" name="TextBox 68"/>
+          <p:cNvSpPr txBox="1"/>
+          <p:nvPr/>
+        </p:nvSpPr>
+        <p:spPr>
+          <a:xfrm>
+            <a:off x="3380945" y="2206627"/>
+            <a:ext cx="189257" cy="178683"/>
+          </a:xfrm>
+          <a:prstGeom prst="rect">
+            <a:avLst/>
+          </a:prstGeom>
+          <a:noFill/>
+        </p:spPr>
+        <p:txBody>
+          <a:bodyPr wrap="square" lIns="0" tIns="0" rIns="0" bIns="0" rtlCol="0">
+            <a:noAutofit/>
+          </a:bodyPr>
+          <a:lstStyle/>
+          <a:p>
+            <a:pPr algn="ctr"/>
+            <a:r>
+              <a:rPr lang="en-US" sz="1100" dirty="0">
+                <a:solidFill>
+                  <a:srgbClr val="7030A0"/>
+                </a:solidFill>
+              </a:rPr>
+              <a:t>1</a:t>
+            </a:r>
+            <a:endParaRPr lang="en-SG" sz="1100" dirty="0">
+              <a:solidFill>
+                <a:srgbClr val="7030A0"/>
+              </a:solidFill>
+            </a:endParaRPr>
+          </a:p>
+        </p:txBody>
+      </p:sp>
+      <p:sp>
+        <p:nvSpPr>
+          <p:cNvPr id="71" name="Flowchart: Decision 96"/>
           <p:cNvSpPr/>
           <p:nvPr/>
         </p:nvSpPr>
         <p:spPr>
-          <a:xfrm rot="16200000">
-            <a:off x="6553482" y="2664721"/>
+          <a:xfrm>
+            <a:off x="4925174" y="2295736"/>
             <a:ext cx="236048" cy="173380"/>
           </a:xfrm>
           <a:prstGeom prst="flowChartDecision">
             <a:avLst/>
           </a:prstGeom>
-          <a:noFill/>
+          <a:solidFill>
+            <a:srgbClr val="7030A0"/>
+          </a:solidFill>
           <a:ln w="19050">
             <a:solidFill>
               <a:srgbClr val="7030A0"/>
@@ -5377,267 +5430,8 @@
       </p:sp>
       <p:cxnSp>
         <p:nvCxnSpPr>
-          <p:cNvPr id="59" name="Elbow Connector 63">
-            <a:extLst>
-              <a:ext uri="{FF2B5EF4-FFF2-40B4-BE49-F238E27FC236}">
-                <a16:creationId xmlns:a16="http://schemas.microsoft.com/office/drawing/2014/main" id="{E2D6A56C-A223-4236-A1F0-7EFEBA2FC940}"/>
-              </a:ext>
-            </a:extLst>
-          </p:cNvPr>
+          <p:cNvPr id="72" name="Elbow Connector 78"/>
           <p:cNvCxnSpPr>
-            <a:cxnSpLocks/>
-            <a:endCxn id="67" idx="1"/>
-          </p:cNvCxnSpPr>
-          <p:nvPr/>
-        </p:nvCxnSpPr>
-        <p:spPr>
-          <a:xfrm flipV="1">
-            <a:off x="5884280" y="2233006"/>
-            <a:ext cx="432916" cy="111294"/>
-          </a:xfrm>
-          <a:prstGeom prst="bentConnector3">
-            <a:avLst/>
-          </a:prstGeom>
-          <a:ln w="19050">
-            <a:solidFill>
-              <a:srgbClr val="7030A0"/>
-            </a:solidFill>
-            <a:headEnd type="none" w="med" len="med"/>
-            <a:tailEnd type="arrow" w="med" len="med"/>
-          </a:ln>
-          <a:effectLst/>
-        </p:spPr>
-        <p:style>
-          <a:lnRef idx="1">
-            <a:schemeClr val="accent2"/>
-          </a:lnRef>
-          <a:fillRef idx="2">
-            <a:schemeClr val="accent2"/>
-          </a:fillRef>
-          <a:effectRef idx="1">
-            <a:schemeClr val="accent2"/>
-          </a:effectRef>
-          <a:fontRef idx="minor">
-            <a:schemeClr val="dk1"/>
-          </a:fontRef>
-        </p:style>
-      </p:cxnSp>
-      <p:sp>
-        <p:nvSpPr>
-          <p:cNvPr id="67" name="Rectangle 8">
-            <a:extLst>
-              <a:ext uri="{FF2B5EF4-FFF2-40B4-BE49-F238E27FC236}">
-                <a16:creationId xmlns:a16="http://schemas.microsoft.com/office/drawing/2014/main" id="{36D68104-33BB-4C8F-B764-F3F0B25E592B}"/>
-              </a:ext>
-            </a:extLst>
-          </p:cNvPr>
-          <p:cNvSpPr/>
-          <p:nvPr/>
-        </p:nvSpPr>
-        <p:spPr>
-          <a:xfrm>
-            <a:off x="6317196" y="2059626"/>
-            <a:ext cx="708186" cy="346760"/>
-          </a:xfrm>
-          <a:prstGeom prst="rect">
-            <a:avLst/>
-          </a:prstGeom>
-          <a:ln w="19050">
-            <a:solidFill>
-              <a:srgbClr val="7030A0"/>
-            </a:solidFill>
-          </a:ln>
-          <a:effectLst/>
-        </p:spPr>
-        <p:style>
-          <a:lnRef idx="1">
-            <a:schemeClr val="accent4"/>
-          </a:lnRef>
-          <a:fillRef idx="2">
-            <a:schemeClr val="accent4"/>
-          </a:fillRef>
-          <a:effectRef idx="1">
-            <a:schemeClr val="accent4"/>
-          </a:effectRef>
-          <a:fontRef idx="minor">
-            <a:schemeClr val="dk1"/>
-          </a:fontRef>
-        </p:style>
-        <p:txBody>
-          <a:bodyPr rtlCol="0" anchor="ctr"/>
-          <a:lstStyle/>
-          <a:p>
-            <a:pPr algn="ctr"/>
-            <a:r>
-              <a:rPr lang="en-US" sz="1050" dirty="0">
-                <a:solidFill>
-                  <a:srgbClr val="7030A0"/>
-                </a:solidFill>
-              </a:rPr>
-              <a:t>Tag</a:t>
-            </a:r>
-            <a:endParaRPr lang="en-SG" sz="1050" dirty="0">
-              <a:solidFill>
-                <a:srgbClr val="7030A0"/>
-              </a:solidFill>
-            </a:endParaRPr>
-          </a:p>
-        </p:txBody>
-      </p:sp>
-      <p:sp>
-        <p:nvSpPr>
-          <p:cNvPr id="68" name="TextBox 67">
-            <a:extLst>
-              <a:ext uri="{FF2B5EF4-FFF2-40B4-BE49-F238E27FC236}">
-                <a16:creationId xmlns:a16="http://schemas.microsoft.com/office/drawing/2014/main" id="{18A2ABF0-4DA8-43EE-BACE-A737C4E4CFEC}"/>
-              </a:ext>
-            </a:extLst>
-          </p:cNvPr>
-          <p:cNvSpPr txBox="1"/>
-          <p:nvPr/>
-        </p:nvSpPr>
-        <p:spPr>
-          <a:xfrm>
-            <a:off x="6135256" y="2278014"/>
-            <a:ext cx="189257" cy="178683"/>
-          </a:xfrm>
-          <a:prstGeom prst="rect">
-            <a:avLst/>
-          </a:prstGeom>
-          <a:noFill/>
-        </p:spPr>
-        <p:txBody>
-          <a:bodyPr wrap="square" lIns="0" tIns="0" rIns="0" bIns="0" rtlCol="0">
-            <a:noAutofit/>
-          </a:bodyPr>
-          <a:lstStyle/>
-          <a:p>
-            <a:pPr algn="ctr"/>
-            <a:r>
-              <a:rPr lang="en-US" sz="1100" dirty="0">
-                <a:solidFill>
-                  <a:srgbClr val="7030A0"/>
-                </a:solidFill>
-              </a:rPr>
-              <a:t>*</a:t>
-            </a:r>
-            <a:endParaRPr lang="en-SG" sz="1100" dirty="0">
-              <a:solidFill>
-                <a:srgbClr val="7030A0"/>
-              </a:solidFill>
-            </a:endParaRPr>
-          </a:p>
-        </p:txBody>
-      </p:sp>
-      <p:sp>
-        <p:nvSpPr>
-          <p:cNvPr id="69" name="TextBox 68">
-            <a:extLst>
-              <a:ext uri="{FF2B5EF4-FFF2-40B4-BE49-F238E27FC236}">
-                <a16:creationId xmlns:a16="http://schemas.microsoft.com/office/drawing/2014/main" id="{8CF9406A-39C7-4163-8880-BB65541FC08E}"/>
-              </a:ext>
-            </a:extLst>
-          </p:cNvPr>
-          <p:cNvSpPr txBox="1"/>
-          <p:nvPr/>
-        </p:nvSpPr>
-        <p:spPr>
-          <a:xfrm>
-            <a:off x="4367100" y="2172972"/>
-            <a:ext cx="189257" cy="178683"/>
-          </a:xfrm>
-          <a:prstGeom prst="rect">
-            <a:avLst/>
-          </a:prstGeom>
-          <a:noFill/>
-        </p:spPr>
-        <p:txBody>
-          <a:bodyPr wrap="square" lIns="0" tIns="0" rIns="0" bIns="0" rtlCol="0">
-            <a:noAutofit/>
-          </a:bodyPr>
-          <a:lstStyle/>
-          <a:p>
-            <a:pPr algn="ctr"/>
-            <a:r>
-              <a:rPr lang="en-US" sz="1100" dirty="0">
-                <a:solidFill>
-                  <a:srgbClr val="7030A0"/>
-                </a:solidFill>
-              </a:rPr>
-              <a:t>1</a:t>
-            </a:r>
-            <a:endParaRPr lang="en-SG" sz="1100" dirty="0">
-              <a:solidFill>
-                <a:srgbClr val="7030A0"/>
-              </a:solidFill>
-            </a:endParaRPr>
-          </a:p>
-        </p:txBody>
-      </p:sp>
-      <p:sp>
-        <p:nvSpPr>
-          <p:cNvPr id="71" name="Flowchart: Decision 96">
-            <a:extLst>
-              <a:ext uri="{FF2B5EF4-FFF2-40B4-BE49-F238E27FC236}">
-                <a16:creationId xmlns:a16="http://schemas.microsoft.com/office/drawing/2014/main" id="{233007D4-EEA2-4CA6-ACFE-1517B654224E}"/>
-              </a:ext>
-            </a:extLst>
-          </p:cNvPr>
-          <p:cNvSpPr/>
-          <p:nvPr/>
-        </p:nvSpPr>
-        <p:spPr>
-          <a:xfrm>
-            <a:off x="5911329" y="2262081"/>
-            <a:ext cx="236048" cy="173380"/>
-          </a:xfrm>
-          <a:prstGeom prst="flowChartDecision">
-            <a:avLst/>
-          </a:prstGeom>
-          <a:solidFill>
-            <a:srgbClr val="7030A0"/>
-          </a:solidFill>
-          <a:ln w="19050">
-            <a:solidFill>
-              <a:srgbClr val="7030A0"/>
-            </a:solidFill>
-          </a:ln>
-          <a:effectLst/>
-        </p:spPr>
-        <p:style>
-          <a:lnRef idx="1">
-            <a:schemeClr val="accent6"/>
-          </a:lnRef>
-          <a:fillRef idx="2">
-            <a:schemeClr val="accent6"/>
-          </a:fillRef>
-          <a:effectRef idx="1">
-            <a:schemeClr val="accent6"/>
-          </a:effectRef>
-          <a:fontRef idx="minor">
-            <a:schemeClr val="dk1"/>
-          </a:fontRef>
-        </p:style>
-        <p:txBody>
-          <a:bodyPr rtlCol="0" anchor="ctr"/>
-          <a:lstStyle/>
-          <a:p>
-            <a:pPr algn="ctr"/>
-            <a:endParaRPr lang="en-US" sz="1050"/>
-          </a:p>
-        </p:txBody>
-      </p:sp>
-      <p:cxnSp>
-        <p:nvCxnSpPr>
-          <p:cNvPr id="72" name="Elbow Connector 78">
-            <a:extLst>
-              <a:ext uri="{FF2B5EF4-FFF2-40B4-BE49-F238E27FC236}">
-                <a16:creationId xmlns:a16="http://schemas.microsoft.com/office/drawing/2014/main" id="{D5DFB8C5-B0B0-46C1-967B-4449112ABD6F}"/>
-              </a:ext>
-            </a:extLst>
-          </p:cNvPr>
-          <p:cNvCxnSpPr>
-            <a:cxnSpLocks/>
             <a:stCxn id="55" idx="3"/>
             <a:endCxn id="67" idx="2"/>
           </p:cNvCxnSpPr>
@@ -5645,12 +5439,12 @@
         </p:nvCxnSpPr>
         <p:spPr>
           <a:xfrm rot="16200000" flipV="1">
-            <a:off x="6557898" y="2519778"/>
-            <a:ext cx="227001" cy="217"/>
+            <a:off x="5572125" y="2553335"/>
+            <a:ext cx="226695" cy="635"/>
           </a:xfrm>
           <a:prstGeom prst="bentConnector3">
             <a:avLst>
-              <a:gd name="adj1" fmla="val 50000"/>
+              <a:gd name="adj1" fmla="val 49860"/>
             </a:avLst>
           </a:prstGeom>
           <a:ln w="19050">
@@ -5687,7 +5481,7 @@
         </p:nvCxnSpPr>
         <p:spPr>
           <a:xfrm rot="5400000">
-            <a:off x="3470636" y="2687353"/>
+            <a:off x="2483846" y="2721008"/>
             <a:ext cx="293825" cy="5938"/>
           </a:xfrm>
           <a:prstGeom prst="bentConnector3">
@@ -5728,7 +5522,7 @@
         </p:nvSpPr>
         <p:spPr>
           <a:xfrm rot="10800000" flipV="1">
-            <a:off x="3479324" y="2386348"/>
+            <a:off x="2493169" y="2420003"/>
             <a:ext cx="282387" cy="157062"/>
           </a:xfrm>
           <a:prstGeom prst="triangle">
@@ -5776,7 +5570,7 @@
         </p:nvSpPr>
         <p:spPr>
           <a:xfrm>
-            <a:off x="1177947" y="1998144"/>
+            <a:off x="191792" y="2031799"/>
             <a:ext cx="1443661" cy="364396"/>
           </a:xfrm>
           <a:prstGeom prst="rect">
@@ -5829,9 +5623,9 @@
                   <a:srgbClr val="7030A0"/>
                 </a:solidFill>
               </a:rPr>
-              <a:t>ReadOnlyAddressBook</a:t>
-            </a:r>
-            <a:endParaRPr lang="en-SG" sz="1050" dirty="0">
+              <a:t>ReadOnlySaveIt</a:t>
+            </a:r>
+            <a:endParaRPr lang="en-US" sz="1050" dirty="0">
               <a:solidFill>
                 <a:srgbClr val="7030A0"/>
               </a:solidFill>
@@ -5847,7 +5641,7 @@
         </p:nvSpPr>
         <p:spPr>
           <a:xfrm>
-            <a:off x="3087206" y="1998144"/>
+            <a:off x="2101051" y="2031799"/>
             <a:ext cx="1060683" cy="364396"/>
           </a:xfrm>
           <a:prstGeom prst="rect">
@@ -5885,9 +5679,9 @@
                   <a:srgbClr val="7030A0"/>
                 </a:solidFill>
               </a:rPr>
-              <a:t>AddressBook</a:t>
-            </a:r>
-            <a:endParaRPr lang="en-SG" sz="1050" dirty="0">
+              <a:t>SaveIt</a:t>
+            </a:r>
+            <a:endParaRPr lang="en-US" sz="1050" dirty="0">
               <a:solidFill>
                 <a:srgbClr val="7030A0"/>
               </a:solidFill>
@@ -5903,7 +5697,7 @@
         </p:nvSpPr>
         <p:spPr>
           <a:xfrm rot="16200000">
-            <a:off x="2586098" y="2068952"/>
+            <a:off x="1599943" y="2102607"/>
             <a:ext cx="271014" cy="187417"/>
           </a:xfrm>
           <a:prstGeom prst="triangle">
@@ -5958,12 +5752,12 @@
         </p:nvCxnSpPr>
         <p:spPr>
           <a:xfrm>
-            <a:off x="2815314" y="2177521"/>
-            <a:ext cx="271892" cy="2821"/>
+            <a:off x="1828800" y="2211070"/>
+            <a:ext cx="272415" cy="3175"/>
           </a:xfrm>
           <a:prstGeom prst="bentConnector3">
             <a:avLst>
-              <a:gd name="adj1" fmla="val 50000"/>
+              <a:gd name="adj1" fmla="val 50117"/>
             </a:avLst>
           </a:prstGeom>
           <a:ln w="19050">
@@ -5991,12 +5785,244 @@
           </a:fontRef>
         </p:style>
       </p:cxnSp>
+      <p:sp>
+        <p:nvSpPr>
+          <p:cNvPr id="3" name="Flowchart: Decision 96"/>
+          <p:cNvSpPr/>
+          <p:nvPr/>
+        </p:nvSpPr>
+        <p:spPr>
+          <a:xfrm>
+            <a:off x="7433742" y="3376191"/>
+            <a:ext cx="236048" cy="173380"/>
+          </a:xfrm>
+          <a:prstGeom prst="flowChartDecision">
+            <a:avLst/>
+          </a:prstGeom>
+          <a:solidFill>
+            <a:srgbClr val="7030A0"/>
+          </a:solidFill>
+          <a:ln w="19050">
+            <a:solidFill>
+              <a:srgbClr val="7030A0"/>
+            </a:solidFill>
+          </a:ln>
+          <a:effectLst/>
+        </p:spPr>
+        <p:style>
+          <a:lnRef idx="1">
+            <a:schemeClr val="accent6"/>
+          </a:lnRef>
+          <a:fillRef idx="2">
+            <a:schemeClr val="accent6"/>
+          </a:fillRef>
+          <a:effectRef idx="1">
+            <a:schemeClr val="accent6"/>
+          </a:effectRef>
+          <a:fontRef idx="minor">
+            <a:schemeClr val="dk1"/>
+          </a:fontRef>
+        </p:style>
+        <p:txBody>
+          <a:bodyPr rtlCol="0" anchor="ctr"/>
+          <a:p>
+            <a:pPr algn="ctr"/>
+            <a:endParaRPr lang="en-US" sz="1050"/>
+          </a:p>
+        </p:txBody>
+      </p:sp>
+      <p:cxnSp>
+        <p:nvCxnSpPr>
+          <p:cNvPr id="4" name="Elbow Connector 85"/>
+          <p:cNvCxnSpPr/>
+          <p:nvPr/>
+        </p:nvCxnSpPr>
+        <p:spPr>
+          <a:xfrm>
+            <a:off x="7670165" y="3462655"/>
+            <a:ext cx="418465" cy="397510"/>
+          </a:xfrm>
+          <a:prstGeom prst="bentConnector3">
+            <a:avLst>
+              <a:gd name="adj1" fmla="val 50076"/>
+            </a:avLst>
+          </a:prstGeom>
+          <a:ln w="19050">
+            <a:solidFill>
+              <a:srgbClr val="7030A0"/>
+            </a:solidFill>
+            <a:headEnd type="none" w="med" len="med"/>
+            <a:tailEnd type="arrow" w="med" len="med"/>
+          </a:ln>
+          <a:effectLst/>
+        </p:spPr>
+        <p:style>
+          <a:lnRef idx="1">
+            <a:schemeClr val="accent2"/>
+          </a:lnRef>
+          <a:fillRef idx="2">
+            <a:schemeClr val="accent2"/>
+          </a:fillRef>
+          <a:effectRef idx="1">
+            <a:schemeClr val="accent2"/>
+          </a:effectRef>
+          <a:fontRef idx="minor">
+            <a:schemeClr val="dk1"/>
+          </a:fontRef>
+        </p:style>
+      </p:cxnSp>
+      <p:cxnSp>
+        <p:nvCxnSpPr>
+          <p:cNvPr id="5" name="Elbow Connector 80"/>
+          <p:cNvCxnSpPr/>
+          <p:nvPr/>
+        </p:nvCxnSpPr>
+        <p:spPr>
+          <a:xfrm flipV="1">
+            <a:off x="7670165" y="3429000"/>
+            <a:ext cx="433705" cy="33655"/>
+          </a:xfrm>
+          <a:prstGeom prst="bentConnector3">
+            <a:avLst>
+              <a:gd name="adj1" fmla="val 50073"/>
+            </a:avLst>
+          </a:prstGeom>
+          <a:ln w="19050">
+            <a:solidFill>
+              <a:srgbClr val="7030A0"/>
+            </a:solidFill>
+            <a:headEnd type="none" w="med" len="med"/>
+            <a:tailEnd type="arrow" w="med" len="med"/>
+          </a:ln>
+          <a:effectLst/>
+        </p:spPr>
+        <p:style>
+          <a:lnRef idx="1">
+            <a:schemeClr val="accent2"/>
+          </a:lnRef>
+          <a:fillRef idx="2">
+            <a:schemeClr val="accent2"/>
+          </a:fillRef>
+          <a:effectRef idx="1">
+            <a:schemeClr val="accent2"/>
+          </a:effectRef>
+          <a:fontRef idx="minor">
+            <a:schemeClr val="dk1"/>
+          </a:fontRef>
+        </p:style>
+      </p:cxnSp>
+      <p:sp>
+        <p:nvSpPr>
+          <p:cNvPr id="7" name="Rectangle 8"/>
+          <p:cNvSpPr/>
+          <p:nvPr/>
+        </p:nvSpPr>
+        <p:spPr>
+          <a:xfrm>
+            <a:off x="8103870" y="3293745"/>
+            <a:ext cx="964565" cy="269875"/>
+          </a:xfrm>
+          <a:prstGeom prst="rect">
+            <a:avLst/>
+          </a:prstGeom>
+          <a:ln w="19050">
+            <a:solidFill>
+              <a:srgbClr val="7030A0"/>
+            </a:solidFill>
+          </a:ln>
+          <a:effectLst/>
+        </p:spPr>
+        <p:style>
+          <a:lnRef idx="1">
+            <a:schemeClr val="accent4"/>
+          </a:lnRef>
+          <a:fillRef idx="2">
+            <a:schemeClr val="accent4"/>
+          </a:fillRef>
+          <a:effectRef idx="1">
+            <a:schemeClr val="accent4"/>
+          </a:effectRef>
+          <a:fontRef idx="minor">
+            <a:schemeClr val="dk1"/>
+          </a:fontRef>
+        </p:style>
+        <p:txBody>
+          <a:bodyPr rtlCol="0" anchor="ctr"/>
+          <a:p>
+            <a:pPr algn="ctr"/>
+            <a:r>
+              <a:rPr lang="en-US" sz="1050" dirty="0">
+                <a:solidFill>
+                  <a:srgbClr val="7030A0"/>
+                </a:solidFill>
+              </a:rPr>
+              <a:t>Solution Link</a:t>
+            </a:r>
+            <a:endParaRPr lang="en-US" sz="1050" dirty="0">
+              <a:solidFill>
+                <a:srgbClr val="7030A0"/>
+              </a:solidFill>
+            </a:endParaRPr>
+          </a:p>
+        </p:txBody>
+      </p:sp>
+      <p:sp>
+        <p:nvSpPr>
+          <p:cNvPr id="8" name="Rectangle 8"/>
+          <p:cNvSpPr/>
+          <p:nvPr/>
+        </p:nvSpPr>
+        <p:spPr>
+          <a:xfrm>
+            <a:off x="8103870" y="3756660"/>
+            <a:ext cx="964565" cy="247015"/>
+          </a:xfrm>
+          <a:prstGeom prst="rect">
+            <a:avLst/>
+          </a:prstGeom>
+          <a:ln w="19050">
+            <a:solidFill>
+              <a:srgbClr val="7030A0"/>
+            </a:solidFill>
+          </a:ln>
+          <a:effectLst/>
+        </p:spPr>
+        <p:style>
+          <a:lnRef idx="1">
+            <a:schemeClr val="accent4"/>
+          </a:lnRef>
+          <a:fillRef idx="2">
+            <a:schemeClr val="accent4"/>
+          </a:fillRef>
+          <a:effectRef idx="1">
+            <a:schemeClr val="accent4"/>
+          </a:effectRef>
+          <a:fontRef idx="minor">
+            <a:schemeClr val="dk1"/>
+          </a:fontRef>
+        </p:style>
+        <p:txBody>
+          <a:bodyPr rtlCol="0" anchor="ctr"/>
+          <a:lstStyle/>
+          <a:p>
+            <a:pPr algn="ctr"/>
+            <a:r>
+              <a:rPr lang="en-US" sz="1050" dirty="0">
+                <a:solidFill>
+                  <a:srgbClr val="7030A0"/>
+                </a:solidFill>
+              </a:rPr>
+              <a:t>Remark</a:t>
+            </a:r>
+            <a:endParaRPr lang="en-US" sz="1050" dirty="0">
+              <a:solidFill>
+                <a:srgbClr val="7030A0"/>
+              </a:solidFill>
+            </a:endParaRPr>
+          </a:p>
+        </p:txBody>
+      </p:sp>
     </p:spTree>
-    <p:extLst>
-      <p:ext uri="{BB962C8B-B14F-4D97-AF65-F5344CB8AC3E}">
-        <p14:creationId xmlns:p14="http://schemas.microsoft.com/office/powerpoint/2010/main" val="2396968029"/>
-      </p:ext>
-    </p:extLst>
   </p:cSld>
   <p:clrMapOvr>
     <a:masterClrMapping/>
@@ -6284,8 +6310,11 @@
       </a:bgFillStyleLst>
     </a:fmtScheme>
   </a:themeElements>
-  <a:objectDefaults/>
-  <a:extraClrSchemeLst/>
+  <a:extLst>
+    <a:ext uri="{05A4C25C-085E-4340-85A3-A5531E510DB2}">
+      <thm15:themeFamily xmlns:thm15="http://schemas.microsoft.com/office/thememl/2012/main" name="Office Theme" id="{62F939B6-93AF-4DB8-9C6B-D6C7DFDC589F}" vid="{4A3C46E8-61CC-4603-A589-7422A47A8E4A}"/>
+    </a:ext>
+  </a:extLst>
 </a:theme>
 </file>
 
@@ -6569,7 +6598,10 @@
       </a:bgFillStyleLst>
     </a:fmtScheme>
   </a:themeElements>
-  <a:objectDefaults/>
-  <a:extraClrSchemeLst/>
+  <a:extLst>
+    <a:ext uri="{05A4C25C-085E-4340-85A3-A5531E510DB2}">
+      <thm15:themeFamily xmlns:thm15="http://schemas.microsoft.com/office/thememl/2012/main" name="Office Theme" id="{62F939B6-93AF-4DB8-9C6B-D6C7DFDC589F}" vid="{4A3C46E8-61CC-4603-A589-7422A47A8E4A}"/>
+    </a:ext>
+  </a:extLst>
 </a:theme>
 </file>